--- a/BudgetBuddy(final).pptx
+++ b/BudgetBuddy(final).pptx
@@ -215,7 +215,7 @@
           <a:p>
             <a:fld id="{2BCAFC7A-71DD-4C2C-B63D-60FDC7DD5449}" type="datetimeFigureOut">
               <a:rPr lang="en-US" smtClean="0"/>
-              <a:t>7/20/2018</a:t>
+              <a:t>7/26/2018</a:t>
             </a:fld>
             <a:endParaRPr lang="en-US"/>
           </a:p>
@@ -380,7 +380,7 @@
           <a:p>
             <a:fld id="{D85ECAFD-F005-4163-B10D-85806DC43F93}" type="datetimeFigureOut">
               <a:rPr lang="en-US" smtClean="0"/>
-              <a:t>7/20/2018</a:t>
+              <a:t>7/26/2018</a:t>
             </a:fld>
             <a:endParaRPr lang="en-US"/>
           </a:p>
@@ -1524,7 +1524,7 @@
           <a:p>
             <a:fld id="{4AAD347D-5ACD-4C99-B74B-A9C85AD731AF}" type="datetimeFigureOut">
               <a:rPr lang="en-US" smtClean="0"/>
-              <a:t>7/20/2018</a:t>
+              <a:t>7/26/2018</a:t>
             </a:fld>
             <a:endParaRPr lang="en-US"/>
           </a:p>
@@ -1796,7 +1796,7 @@
           <a:p>
             <a:fld id="{4509A250-FF31-4206-8172-F9D3106AACB1}" type="datetimeFigureOut">
               <a:rPr lang="en-US" smtClean="0"/>
-              <a:t>7/20/2018</a:t>
+              <a:t>7/26/2018</a:t>
             </a:fld>
             <a:endParaRPr lang="en-US" dirty="0"/>
           </a:p>
@@ -1987,7 +1987,7 @@
           <a:p>
             <a:fld id="{4509A250-FF31-4206-8172-F9D3106AACB1}" type="datetimeFigureOut">
               <a:rPr lang="en-US" smtClean="0"/>
-              <a:t>7/20/2018</a:t>
+              <a:t>7/26/2018</a:t>
             </a:fld>
             <a:endParaRPr lang="en-US" dirty="0"/>
           </a:p>
@@ -2319,7 +2319,7 @@
           <a:p>
             <a:fld id="{4509A250-FF31-4206-8172-F9D3106AACB1}" type="datetimeFigureOut">
               <a:rPr lang="en-US" smtClean="0"/>
-              <a:t>7/20/2018</a:t>
+              <a:t>7/26/2018</a:t>
             </a:fld>
             <a:endParaRPr lang="en-US" dirty="0"/>
           </a:p>
@@ -2564,7 +2564,7 @@
           <a:p>
             <a:fld id="{4509A250-FF31-4206-8172-F9D3106AACB1}" type="datetimeFigureOut">
               <a:rPr lang="en-US" smtClean="0"/>
-              <a:t>7/20/2018</a:t>
+              <a:t>7/26/2018</a:t>
             </a:fld>
             <a:endParaRPr lang="en-US" dirty="0"/>
           </a:p>
@@ -2859,7 +2859,7 @@
           <a:p>
             <a:fld id="{4509A250-FF31-4206-8172-F9D3106AACB1}" type="datetimeFigureOut">
               <a:rPr lang="en-US" smtClean="0"/>
-              <a:t>7/20/2018</a:t>
+              <a:t>7/26/2018</a:t>
             </a:fld>
             <a:endParaRPr lang="en-US" dirty="0"/>
           </a:p>
@@ -3127,7 +3127,7 @@
           <a:p>
             <a:fld id="{4509A250-FF31-4206-8172-F9D3106AACB1}" type="datetimeFigureOut">
               <a:rPr lang="en-US" smtClean="0"/>
-              <a:t>7/20/2018</a:t>
+              <a:t>7/26/2018</a:t>
             </a:fld>
             <a:endParaRPr lang="en-US" dirty="0"/>
           </a:p>
@@ -3748,7 +3748,7 @@
           <a:p>
             <a:fld id="{4509A250-FF31-4206-8172-F9D3106AACB1}" type="datetimeFigureOut">
               <a:rPr lang="en-US" smtClean="0"/>
-              <a:t>7/20/2018</a:t>
+              <a:t>7/26/2018</a:t>
             </a:fld>
             <a:endParaRPr lang="en-US" dirty="0"/>
           </a:p>
@@ -4605,7 +4605,7 @@
           <a:p>
             <a:fld id="{4509A250-FF31-4206-8172-F9D3106AACB1}" type="datetimeFigureOut">
               <a:rPr lang="en-US" smtClean="0"/>
-              <a:t>7/20/2018</a:t>
+              <a:t>7/26/2018</a:t>
             </a:fld>
             <a:endParaRPr lang="en-US" dirty="0"/>
           </a:p>
@@ -4772,7 +4772,7 @@
           <a:p>
             <a:fld id="{4509A250-FF31-4206-8172-F9D3106AACB1}" type="datetimeFigureOut">
               <a:rPr lang="en-US" smtClean="0"/>
-              <a:t>7/20/2018</a:t>
+              <a:t>7/26/2018</a:t>
             </a:fld>
             <a:endParaRPr lang="en-US" dirty="0"/>
           </a:p>
@@ -4949,7 +4949,7 @@
           <a:p>
             <a:fld id="{4509A250-FF31-4206-8172-F9D3106AACB1}" type="datetimeFigureOut">
               <a:rPr lang="en-US" smtClean="0"/>
-              <a:t>7/20/2018</a:t>
+              <a:t>7/26/2018</a:t>
             </a:fld>
             <a:endParaRPr lang="en-US" dirty="0"/>
           </a:p>
@@ -5116,7 +5116,7 @@
           <a:p>
             <a:fld id="{4509A250-FF31-4206-8172-F9D3106AACB1}" type="datetimeFigureOut">
               <a:rPr lang="en-US" smtClean="0"/>
-              <a:t>7/20/2018</a:t>
+              <a:t>7/26/2018</a:t>
             </a:fld>
             <a:endParaRPr lang="en-US" dirty="0"/>
           </a:p>
@@ -5361,7 +5361,7 @@
           <a:p>
             <a:fld id="{9796027F-7875-4030-9381-8BD8C4F21935}" type="datetimeFigureOut">
               <a:rPr lang="en-US" smtClean="0"/>
-              <a:t>7/20/2018</a:t>
+              <a:t>7/26/2018</a:t>
             </a:fld>
             <a:endParaRPr lang="en-US"/>
           </a:p>
@@ -5648,7 +5648,7 @@
           <a:p>
             <a:fld id="{9796027F-7875-4030-9381-8BD8C4F21935}" type="datetimeFigureOut">
               <a:rPr lang="en-US" smtClean="0"/>
-              <a:t>7/20/2018</a:t>
+              <a:t>7/26/2018</a:t>
             </a:fld>
             <a:endParaRPr lang="en-US"/>
           </a:p>
@@ -6087,7 +6087,7 @@
           <a:p>
             <a:fld id="{9796027F-7875-4030-9381-8BD8C4F21935}" type="datetimeFigureOut">
               <a:rPr lang="en-US" smtClean="0"/>
-              <a:t>7/20/2018</a:t>
+              <a:t>7/26/2018</a:t>
             </a:fld>
             <a:endParaRPr lang="en-US"/>
           </a:p>
@@ -6202,7 +6202,7 @@
           <a:p>
             <a:fld id="{4509A250-FF31-4206-8172-F9D3106AACB1}" type="datetimeFigureOut">
               <a:rPr lang="en-US" smtClean="0"/>
-              <a:t>7/20/2018</a:t>
+              <a:t>7/26/2018</a:t>
             </a:fld>
             <a:endParaRPr lang="en-US" dirty="0"/>
           </a:p>
@@ -6295,7 +6295,7 @@
           <a:p>
             <a:fld id="{4509A250-FF31-4206-8172-F9D3106AACB1}" type="datetimeFigureOut">
               <a:rPr lang="en-US" smtClean="0"/>
-              <a:t>7/20/2018</a:t>
+              <a:t>7/26/2018</a:t>
             </a:fld>
             <a:endParaRPr lang="en-US" dirty="0"/>
           </a:p>
@@ -6571,7 +6571,7 @@
           <a:p>
             <a:fld id="{4509A250-FF31-4206-8172-F9D3106AACB1}" type="datetimeFigureOut">
               <a:rPr lang="en-US" smtClean="0"/>
-              <a:t>7/20/2018</a:t>
+              <a:t>7/26/2018</a:t>
             </a:fld>
             <a:endParaRPr lang="en-US" dirty="0"/>
           </a:p>
@@ -6843,7 +6843,7 @@
           <a:p>
             <a:fld id="{4509A250-FF31-4206-8172-F9D3106AACB1}" type="datetimeFigureOut">
               <a:rPr lang="en-US" smtClean="0"/>
-              <a:t>7/20/2018</a:t>
+              <a:t>7/26/2018</a:t>
             </a:fld>
             <a:endParaRPr lang="en-US" dirty="0"/>
           </a:p>
@@ -7240,7 +7240,7 @@
             <a:fld id="{4AAD347D-5ACD-4C99-B74B-A9C85AD731AF}" type="datetimeFigureOut">
               <a:rPr lang="en-US" smtClean="0"/>
               <a:pPr/>
-              <a:t>7/20/2018</a:t>
+              <a:t>7/26/2018</a:t>
             </a:fld>
             <a:endParaRPr lang="en-US" dirty="0"/>
           </a:p>
@@ -8368,7 +8368,31 @@
               <a:rPr lang="en-US" dirty="0">
                 <a:hlinkClick r:id="rId3"/>
               </a:rPr>
-              <a:t>Click here!</a:t>
+              <a:t>Web Page</a:t>
+            </a:r>
+            <a:endParaRPr lang="en-US" dirty="0"/>
+          </a:p>
+          <a:p>
+            <a:endParaRPr lang="en-US" dirty="0">
+              <a:hlinkClick r:id="rId4"/>
+            </a:endParaRPr>
+          </a:p>
+          <a:p>
+            <a:endParaRPr lang="en-US" dirty="0">
+              <a:hlinkClick r:id="rId4"/>
+            </a:endParaRPr>
+          </a:p>
+          <a:p>
+            <a:endParaRPr lang="en-US" dirty="0">
+              <a:hlinkClick r:id="rId4"/>
+            </a:endParaRPr>
+          </a:p>
+          <a:p>
+            <a:r>
+              <a:rPr lang="en-US" dirty="0">
+                <a:hlinkClick r:id="rId4"/>
+              </a:rPr>
+              <a:t>Github</a:t>
             </a:r>
             <a:endParaRPr lang="en-US" dirty="0"/>
           </a:p>

--- a/BudgetBuddy(final).pptx
+++ b/BudgetBuddy(final).pptx
@@ -215,7 +215,7 @@
           <a:p>
             <a:fld id="{2BCAFC7A-71DD-4C2C-B63D-60FDC7DD5449}" type="datetimeFigureOut">
               <a:rPr lang="en-US" smtClean="0"/>
-              <a:t>7/26/2018</a:t>
+              <a:t>7/28/18</a:t>
             </a:fld>
             <a:endParaRPr lang="en-US"/>
           </a:p>
@@ -380,7 +380,7 @@
           <a:p>
             <a:fld id="{D85ECAFD-F005-4163-B10D-85806DC43F93}" type="datetimeFigureOut">
               <a:rPr lang="en-US" smtClean="0"/>
-              <a:t>7/26/2018</a:t>
+              <a:t>7/28/18</a:t>
             </a:fld>
             <a:endParaRPr lang="en-US"/>
           </a:p>
@@ -1524,7 +1524,7 @@
           <a:p>
             <a:fld id="{4AAD347D-5ACD-4C99-B74B-A9C85AD731AF}" type="datetimeFigureOut">
               <a:rPr lang="en-US" smtClean="0"/>
-              <a:t>7/26/2018</a:t>
+              <a:t>7/28/18</a:t>
             </a:fld>
             <a:endParaRPr lang="en-US"/>
           </a:p>
@@ -1796,7 +1796,7 @@
           <a:p>
             <a:fld id="{4509A250-FF31-4206-8172-F9D3106AACB1}" type="datetimeFigureOut">
               <a:rPr lang="en-US" smtClean="0"/>
-              <a:t>7/26/2018</a:t>
+              <a:t>7/28/18</a:t>
             </a:fld>
             <a:endParaRPr lang="en-US" dirty="0"/>
           </a:p>
@@ -1987,7 +1987,7 @@
           <a:p>
             <a:fld id="{4509A250-FF31-4206-8172-F9D3106AACB1}" type="datetimeFigureOut">
               <a:rPr lang="en-US" smtClean="0"/>
-              <a:t>7/26/2018</a:t>
+              <a:t>7/28/18</a:t>
             </a:fld>
             <a:endParaRPr lang="en-US" dirty="0"/>
           </a:p>
@@ -2319,7 +2319,7 @@
           <a:p>
             <a:fld id="{4509A250-FF31-4206-8172-F9D3106AACB1}" type="datetimeFigureOut">
               <a:rPr lang="en-US" smtClean="0"/>
-              <a:t>7/26/2018</a:t>
+              <a:t>7/28/18</a:t>
             </a:fld>
             <a:endParaRPr lang="en-US" dirty="0"/>
           </a:p>
@@ -2564,7 +2564,7 @@
           <a:p>
             <a:fld id="{4509A250-FF31-4206-8172-F9D3106AACB1}" type="datetimeFigureOut">
               <a:rPr lang="en-US" smtClean="0"/>
-              <a:t>7/26/2018</a:t>
+              <a:t>7/28/18</a:t>
             </a:fld>
             <a:endParaRPr lang="en-US" dirty="0"/>
           </a:p>
@@ -2859,7 +2859,7 @@
           <a:p>
             <a:fld id="{4509A250-FF31-4206-8172-F9D3106AACB1}" type="datetimeFigureOut">
               <a:rPr lang="en-US" smtClean="0"/>
-              <a:t>7/26/2018</a:t>
+              <a:t>7/28/18</a:t>
             </a:fld>
             <a:endParaRPr lang="en-US" dirty="0"/>
           </a:p>
@@ -3127,7 +3127,7 @@
           <a:p>
             <a:fld id="{4509A250-FF31-4206-8172-F9D3106AACB1}" type="datetimeFigureOut">
               <a:rPr lang="en-US" smtClean="0"/>
-              <a:t>7/26/2018</a:t>
+              <a:t>7/28/18</a:t>
             </a:fld>
             <a:endParaRPr lang="en-US" dirty="0"/>
           </a:p>
@@ -3748,7 +3748,7 @@
           <a:p>
             <a:fld id="{4509A250-FF31-4206-8172-F9D3106AACB1}" type="datetimeFigureOut">
               <a:rPr lang="en-US" smtClean="0"/>
-              <a:t>7/26/2018</a:t>
+              <a:t>7/28/18</a:t>
             </a:fld>
             <a:endParaRPr lang="en-US" dirty="0"/>
           </a:p>
@@ -4605,7 +4605,7 @@
           <a:p>
             <a:fld id="{4509A250-FF31-4206-8172-F9D3106AACB1}" type="datetimeFigureOut">
               <a:rPr lang="en-US" smtClean="0"/>
-              <a:t>7/26/2018</a:t>
+              <a:t>7/28/18</a:t>
             </a:fld>
             <a:endParaRPr lang="en-US" dirty="0"/>
           </a:p>
@@ -4772,7 +4772,7 @@
           <a:p>
             <a:fld id="{4509A250-FF31-4206-8172-F9D3106AACB1}" type="datetimeFigureOut">
               <a:rPr lang="en-US" smtClean="0"/>
-              <a:t>7/26/2018</a:t>
+              <a:t>7/28/18</a:t>
             </a:fld>
             <a:endParaRPr lang="en-US" dirty="0"/>
           </a:p>
@@ -4949,7 +4949,7 @@
           <a:p>
             <a:fld id="{4509A250-FF31-4206-8172-F9D3106AACB1}" type="datetimeFigureOut">
               <a:rPr lang="en-US" smtClean="0"/>
-              <a:t>7/26/2018</a:t>
+              <a:t>7/28/18</a:t>
             </a:fld>
             <a:endParaRPr lang="en-US" dirty="0"/>
           </a:p>
@@ -5116,7 +5116,7 @@
           <a:p>
             <a:fld id="{4509A250-FF31-4206-8172-F9D3106AACB1}" type="datetimeFigureOut">
               <a:rPr lang="en-US" smtClean="0"/>
-              <a:t>7/26/2018</a:t>
+              <a:t>7/28/18</a:t>
             </a:fld>
             <a:endParaRPr lang="en-US" dirty="0"/>
           </a:p>
@@ -5361,7 +5361,7 @@
           <a:p>
             <a:fld id="{9796027F-7875-4030-9381-8BD8C4F21935}" type="datetimeFigureOut">
               <a:rPr lang="en-US" smtClean="0"/>
-              <a:t>7/26/2018</a:t>
+              <a:t>7/28/18</a:t>
             </a:fld>
             <a:endParaRPr lang="en-US"/>
           </a:p>
@@ -5648,7 +5648,7 @@
           <a:p>
             <a:fld id="{9796027F-7875-4030-9381-8BD8C4F21935}" type="datetimeFigureOut">
               <a:rPr lang="en-US" smtClean="0"/>
-              <a:t>7/26/2018</a:t>
+              <a:t>7/28/18</a:t>
             </a:fld>
             <a:endParaRPr lang="en-US"/>
           </a:p>
@@ -6087,7 +6087,7 @@
           <a:p>
             <a:fld id="{9796027F-7875-4030-9381-8BD8C4F21935}" type="datetimeFigureOut">
               <a:rPr lang="en-US" smtClean="0"/>
-              <a:t>7/26/2018</a:t>
+              <a:t>7/28/18</a:t>
             </a:fld>
             <a:endParaRPr lang="en-US"/>
           </a:p>
@@ -6202,7 +6202,7 @@
           <a:p>
             <a:fld id="{4509A250-FF31-4206-8172-F9D3106AACB1}" type="datetimeFigureOut">
               <a:rPr lang="en-US" smtClean="0"/>
-              <a:t>7/26/2018</a:t>
+              <a:t>7/28/18</a:t>
             </a:fld>
             <a:endParaRPr lang="en-US" dirty="0"/>
           </a:p>
@@ -6295,7 +6295,7 @@
           <a:p>
             <a:fld id="{4509A250-FF31-4206-8172-F9D3106AACB1}" type="datetimeFigureOut">
               <a:rPr lang="en-US" smtClean="0"/>
-              <a:t>7/26/2018</a:t>
+              <a:t>7/28/18</a:t>
             </a:fld>
             <a:endParaRPr lang="en-US" dirty="0"/>
           </a:p>
@@ -6571,7 +6571,7 @@
           <a:p>
             <a:fld id="{4509A250-FF31-4206-8172-F9D3106AACB1}" type="datetimeFigureOut">
               <a:rPr lang="en-US" smtClean="0"/>
-              <a:t>7/26/2018</a:t>
+              <a:t>7/28/18</a:t>
             </a:fld>
             <a:endParaRPr lang="en-US" dirty="0"/>
           </a:p>
@@ -6843,7 +6843,7 @@
           <a:p>
             <a:fld id="{4509A250-FF31-4206-8172-F9D3106AACB1}" type="datetimeFigureOut">
               <a:rPr lang="en-US" smtClean="0"/>
-              <a:t>7/26/2018</a:t>
+              <a:t>7/28/18</a:t>
             </a:fld>
             <a:endParaRPr lang="en-US" dirty="0"/>
           </a:p>
@@ -7240,7 +7240,7 @@
             <a:fld id="{4AAD347D-5ACD-4C99-B74B-A9C85AD731AF}" type="datetimeFigureOut">
               <a:rPr lang="en-US" smtClean="0"/>
               <a:pPr/>
-              <a:t>7/26/2018</a:t>
+              <a:t>7/28/18</a:t>
             </a:fld>
             <a:endParaRPr lang="en-US" dirty="0"/>
           </a:p>
@@ -7887,7 +7887,7 @@
           <p:cNvPr id="2" name="Title 1">
             <a:extLst>
               <a:ext uri="{FF2B5EF4-FFF2-40B4-BE49-F238E27FC236}">
-                <a16:creationId xmlns:a16="http://schemas.microsoft.com/office/drawing/2014/main" id="{5B758DBA-9B94-47BC-A4DA-EE518F1EEF79}"/>
+                <a16:creationId xmlns:a16="http://schemas.microsoft.com/office/drawing/2014/main" xmlns="" id="{5B758DBA-9B94-47BC-A4DA-EE518F1EEF79}"/>
               </a:ext>
             </a:extLst>
           </p:cNvPr>
@@ -7915,7 +7915,7 @@
           <p:cNvPr id="3" name="Content Placeholder 2">
             <a:extLst>
               <a:ext uri="{FF2B5EF4-FFF2-40B4-BE49-F238E27FC236}">
-                <a16:creationId xmlns:a16="http://schemas.microsoft.com/office/drawing/2014/main" id="{D8F6D1F7-0EE1-4139-8F27-6A8A6048E8B3}"/>
+                <a16:creationId xmlns:a16="http://schemas.microsoft.com/office/drawing/2014/main" xmlns="" id="{D8F6D1F7-0EE1-4139-8F27-6A8A6048E8B3}"/>
               </a:ext>
             </a:extLst>
           </p:cNvPr>
@@ -7979,7 +7979,7 @@
           <p:cNvPr id="2" name="Title 1">
             <a:extLst>
               <a:ext uri="{FF2B5EF4-FFF2-40B4-BE49-F238E27FC236}">
-                <a16:creationId xmlns:a16="http://schemas.microsoft.com/office/drawing/2014/main" id="{5B758DBA-9B94-47BC-A4DA-EE518F1EEF79}"/>
+                <a16:creationId xmlns:a16="http://schemas.microsoft.com/office/drawing/2014/main" xmlns="" id="{5B758DBA-9B94-47BC-A4DA-EE518F1EEF79}"/>
               </a:ext>
             </a:extLst>
           </p:cNvPr>
@@ -8007,7 +8007,7 @@
           <p:cNvPr id="3" name="Content Placeholder 2">
             <a:extLst>
               <a:ext uri="{FF2B5EF4-FFF2-40B4-BE49-F238E27FC236}">
-                <a16:creationId xmlns:a16="http://schemas.microsoft.com/office/drawing/2014/main" id="{D8F6D1F7-0EE1-4139-8F27-6A8A6048E8B3}"/>
+                <a16:creationId xmlns:a16="http://schemas.microsoft.com/office/drawing/2014/main" xmlns="" id="{D8F6D1F7-0EE1-4139-8F27-6A8A6048E8B3}"/>
               </a:ext>
             </a:extLst>
           </p:cNvPr>
@@ -8348,7 +8348,7 @@
           <p:cNvPr id="2" name="Content Placeholder 1">
             <a:extLst>
               <a:ext uri="{FF2B5EF4-FFF2-40B4-BE49-F238E27FC236}">
-                <a16:creationId xmlns:a16="http://schemas.microsoft.com/office/drawing/2014/main" id="{297DB042-60EF-409E-AF39-39E11BA7F320}"/>
+                <a16:creationId xmlns:a16="http://schemas.microsoft.com/office/drawing/2014/main" xmlns="" id="{297DB042-60EF-409E-AF39-39E11BA7F320}"/>
               </a:ext>
             </a:extLst>
           </p:cNvPr>
@@ -8485,8 +8485,21 @@
           <a:p>
             <a:r>
               <a:rPr lang="en-US" dirty="0"/>
-              <a:t>Tuan Pham			-</a:t>
-            </a:r>
+              <a:t>Tuan Pham			</a:t>
+            </a:r>
+            <a:r>
+              <a:rPr lang="en-US" dirty="0" smtClean="0"/>
+              <a:t>-Web app’s front-end, back-end, </a:t>
+            </a:r>
+            <a:r>
+              <a:rPr lang="en-US" dirty="0" err="1" smtClean="0"/>
+              <a:t>RESTful</a:t>
+            </a:r>
+            <a:r>
+              <a:rPr lang="en-US" dirty="0" smtClean="0"/>
+              <a:t> API</a:t>
+            </a:r>
+            <a:endParaRPr lang="en-US" dirty="0"/>
           </a:p>
           <a:p>
             <a:r>
@@ -8608,7 +8621,7 @@
           <p:cNvPr id="2" name="Title 1">
             <a:extLst>
               <a:ext uri="{FF2B5EF4-FFF2-40B4-BE49-F238E27FC236}">
-                <a16:creationId xmlns:a16="http://schemas.microsoft.com/office/drawing/2014/main" id="{5B758DBA-9B94-47BC-A4DA-EE518F1EEF79}"/>
+                <a16:creationId xmlns:a16="http://schemas.microsoft.com/office/drawing/2014/main" xmlns="" id="{5B758DBA-9B94-47BC-A4DA-EE518F1EEF79}"/>
               </a:ext>
             </a:extLst>
           </p:cNvPr>
@@ -8636,7 +8649,7 @@
           <p:cNvPr id="5" name="Picture 4">
             <a:extLst>
               <a:ext uri="{FF2B5EF4-FFF2-40B4-BE49-F238E27FC236}">
-                <a16:creationId xmlns:a16="http://schemas.microsoft.com/office/drawing/2014/main" id="{84AA05BE-7D25-4446-B862-587825554C33}"/>
+                <a16:creationId xmlns:a16="http://schemas.microsoft.com/office/drawing/2014/main" xmlns="" id="{84AA05BE-7D25-4446-B862-587825554C33}"/>
               </a:ext>
             </a:extLst>
           </p:cNvPr>
@@ -8666,7 +8679,7 @@
           <p:cNvPr id="7" name="Picture 6">
             <a:extLst>
               <a:ext uri="{FF2B5EF4-FFF2-40B4-BE49-F238E27FC236}">
-                <a16:creationId xmlns:a16="http://schemas.microsoft.com/office/drawing/2014/main" id="{31B700A4-912C-44EE-8FB2-85AAE795719C}"/>
+                <a16:creationId xmlns:a16="http://schemas.microsoft.com/office/drawing/2014/main" xmlns="" id="{31B700A4-912C-44EE-8FB2-85AAE795719C}"/>
               </a:ext>
             </a:extLst>
           </p:cNvPr>
@@ -8696,7 +8709,7 @@
           <p:cNvPr id="9" name="Picture 8">
             <a:extLst>
               <a:ext uri="{FF2B5EF4-FFF2-40B4-BE49-F238E27FC236}">
-                <a16:creationId xmlns:a16="http://schemas.microsoft.com/office/drawing/2014/main" id="{BE16F71A-8DC8-47B3-AAC3-998236FE9DD5}"/>
+                <a16:creationId xmlns:a16="http://schemas.microsoft.com/office/drawing/2014/main" xmlns="" id="{BE16F71A-8DC8-47B3-AAC3-998236FE9DD5}"/>
               </a:ext>
             </a:extLst>
           </p:cNvPr>
@@ -8756,7 +8769,7 @@
           <p:cNvPr id="2" name="Title 1">
             <a:extLst>
               <a:ext uri="{FF2B5EF4-FFF2-40B4-BE49-F238E27FC236}">
-                <a16:creationId xmlns:a16="http://schemas.microsoft.com/office/drawing/2014/main" id="{5B758DBA-9B94-47BC-A4DA-EE518F1EEF79}"/>
+                <a16:creationId xmlns:a16="http://schemas.microsoft.com/office/drawing/2014/main" xmlns="" id="{5B758DBA-9B94-47BC-A4DA-EE518F1EEF79}"/>
               </a:ext>
             </a:extLst>
           </p:cNvPr>
@@ -8784,7 +8797,7 @@
           <p:cNvPr id="3" name="Content Placeholder 2">
             <a:extLst>
               <a:ext uri="{FF2B5EF4-FFF2-40B4-BE49-F238E27FC236}">
-                <a16:creationId xmlns:a16="http://schemas.microsoft.com/office/drawing/2014/main" id="{D8F6D1F7-0EE1-4139-8F27-6A8A6048E8B3}"/>
+                <a16:creationId xmlns:a16="http://schemas.microsoft.com/office/drawing/2014/main" xmlns="" id="{D8F6D1F7-0EE1-4139-8F27-6A8A6048E8B3}"/>
               </a:ext>
             </a:extLst>
           </p:cNvPr>
@@ -8839,7 +8852,7 @@
           <p:cNvPr id="2" name="Title 1">
             <a:extLst>
               <a:ext uri="{FF2B5EF4-FFF2-40B4-BE49-F238E27FC236}">
-                <a16:creationId xmlns:a16="http://schemas.microsoft.com/office/drawing/2014/main" id="{5B758DBA-9B94-47BC-A4DA-EE518F1EEF79}"/>
+                <a16:creationId xmlns:a16="http://schemas.microsoft.com/office/drawing/2014/main" xmlns="" id="{5B758DBA-9B94-47BC-A4DA-EE518F1EEF79}"/>
               </a:ext>
             </a:extLst>
           </p:cNvPr>
@@ -8867,7 +8880,7 @@
           <p:cNvPr id="3" name="Content Placeholder 2">
             <a:extLst>
               <a:ext uri="{FF2B5EF4-FFF2-40B4-BE49-F238E27FC236}">
-                <a16:creationId xmlns:a16="http://schemas.microsoft.com/office/drawing/2014/main" id="{D8F6D1F7-0EE1-4139-8F27-6A8A6048E8B3}"/>
+                <a16:creationId xmlns:a16="http://schemas.microsoft.com/office/drawing/2014/main" xmlns="" id="{D8F6D1F7-0EE1-4139-8F27-6A8A6048E8B3}"/>
               </a:ext>
             </a:extLst>
           </p:cNvPr>
@@ -8922,7 +8935,7 @@
           <p:cNvPr id="2" name="Title 1">
             <a:extLst>
               <a:ext uri="{FF2B5EF4-FFF2-40B4-BE49-F238E27FC236}">
-                <a16:creationId xmlns:a16="http://schemas.microsoft.com/office/drawing/2014/main" id="{5B758DBA-9B94-47BC-A4DA-EE518F1EEF79}"/>
+                <a16:creationId xmlns:a16="http://schemas.microsoft.com/office/drawing/2014/main" xmlns="" id="{5B758DBA-9B94-47BC-A4DA-EE518F1EEF79}"/>
               </a:ext>
             </a:extLst>
           </p:cNvPr>
@@ -8950,7 +8963,7 @@
           <p:cNvPr id="3" name="Content Placeholder 2">
             <a:extLst>
               <a:ext uri="{FF2B5EF4-FFF2-40B4-BE49-F238E27FC236}">
-                <a16:creationId xmlns:a16="http://schemas.microsoft.com/office/drawing/2014/main" id="{D8F6D1F7-0EE1-4139-8F27-6A8A6048E8B3}"/>
+                <a16:creationId xmlns:a16="http://schemas.microsoft.com/office/drawing/2014/main" xmlns="" id="{D8F6D1F7-0EE1-4139-8F27-6A8A6048E8B3}"/>
               </a:ext>
             </a:extLst>
           </p:cNvPr>
@@ -9005,7 +9018,7 @@
           <p:cNvPr id="2" name="Title 1">
             <a:extLst>
               <a:ext uri="{FF2B5EF4-FFF2-40B4-BE49-F238E27FC236}">
-                <a16:creationId xmlns:a16="http://schemas.microsoft.com/office/drawing/2014/main" id="{5B758DBA-9B94-47BC-A4DA-EE518F1EEF79}"/>
+                <a16:creationId xmlns:a16="http://schemas.microsoft.com/office/drawing/2014/main" xmlns="" id="{5B758DBA-9B94-47BC-A4DA-EE518F1EEF79}"/>
               </a:ext>
             </a:extLst>
           </p:cNvPr>
@@ -9033,7 +9046,7 @@
           <p:cNvPr id="3" name="Content Placeholder 2">
             <a:extLst>
               <a:ext uri="{FF2B5EF4-FFF2-40B4-BE49-F238E27FC236}">
-                <a16:creationId xmlns:a16="http://schemas.microsoft.com/office/drawing/2014/main" id="{D8F6D1F7-0EE1-4139-8F27-6A8A6048E8B3}"/>
+                <a16:creationId xmlns:a16="http://schemas.microsoft.com/office/drawing/2014/main" xmlns="" id="{D8F6D1F7-0EE1-4139-8F27-6A8A6048E8B3}"/>
               </a:ext>
             </a:extLst>
           </p:cNvPr>
@@ -9049,7 +9062,70 @@
           <a:bodyPr/>
           <a:lstStyle/>
           <a:p>
-            <a:endParaRPr lang="en-US"/>
+            <a:r>
+              <a:rPr lang="en-US" dirty="0" smtClean="0"/>
+              <a:t>Front-end</a:t>
+            </a:r>
+          </a:p>
+          <a:p>
+            <a:pPr lvl="1"/>
+            <a:r>
+              <a:rPr lang="en-US" dirty="0" smtClean="0"/>
+              <a:t>Bootstrap</a:t>
+            </a:r>
+          </a:p>
+          <a:p>
+            <a:pPr lvl="1"/>
+            <a:r>
+              <a:rPr lang="en-US" dirty="0" smtClean="0"/>
+              <a:t>Chart JS for data’s graphical presentation</a:t>
+            </a:r>
+          </a:p>
+          <a:p>
+            <a:r>
+              <a:rPr lang="en-US" dirty="0" smtClean="0"/>
+              <a:t>Back-end</a:t>
+            </a:r>
+          </a:p>
+          <a:p>
+            <a:pPr lvl="1"/>
+            <a:r>
+              <a:rPr lang="en-US" dirty="0" smtClean="0"/>
+              <a:t>Django: provide scaffold, easy to build more complex features</a:t>
+            </a:r>
+          </a:p>
+          <a:p>
+            <a:r>
+              <a:rPr lang="en-US" dirty="0" err="1" smtClean="0"/>
+              <a:t>RESTful</a:t>
+            </a:r>
+            <a:r>
+              <a:rPr lang="en-US" dirty="0" smtClean="0"/>
+              <a:t> API</a:t>
+            </a:r>
+          </a:p>
+          <a:p>
+            <a:pPr lvl="1"/>
+            <a:r>
+              <a:rPr lang="en-US" dirty="0" smtClean="0"/>
+              <a:t>Model </a:t>
+            </a:r>
+            <a:r>
+              <a:rPr lang="en-US" dirty="0" err="1" smtClean="0"/>
+              <a:t>Serializers</a:t>
+            </a:r>
+            <a:r>
+              <a:rPr lang="en-US" dirty="0" smtClean="0"/>
+              <a:t>: convert data to JSON for HTTP requests from mobile app</a:t>
+            </a:r>
+            <a:endParaRPr lang="en-US" dirty="0"/>
+          </a:p>
+          <a:p>
+            <a:pPr lvl="1"/>
+            <a:r>
+              <a:rPr lang="en-US" dirty="0" smtClean="0"/>
+              <a:t>JSON Web Token Authentication: authenticate users and requests </a:t>
+            </a:r>
           </a:p>
         </p:txBody>
       </p:sp>
@@ -9088,7 +9164,7 @@
           <p:cNvPr id="2" name="Title 1">
             <a:extLst>
               <a:ext uri="{FF2B5EF4-FFF2-40B4-BE49-F238E27FC236}">
-                <a16:creationId xmlns:a16="http://schemas.microsoft.com/office/drawing/2014/main" id="{5B758DBA-9B94-47BC-A4DA-EE518F1EEF79}"/>
+                <a16:creationId xmlns:a16="http://schemas.microsoft.com/office/drawing/2014/main" xmlns="" id="{5B758DBA-9B94-47BC-A4DA-EE518F1EEF79}"/>
               </a:ext>
             </a:extLst>
           </p:cNvPr>
@@ -9116,7 +9192,7 @@
           <p:cNvPr id="3" name="Content Placeholder 2">
             <a:extLst>
               <a:ext uri="{FF2B5EF4-FFF2-40B4-BE49-F238E27FC236}">
-                <a16:creationId xmlns:a16="http://schemas.microsoft.com/office/drawing/2014/main" id="{D8F6D1F7-0EE1-4139-8F27-6A8A6048E8B3}"/>
+                <a16:creationId xmlns:a16="http://schemas.microsoft.com/office/drawing/2014/main" xmlns="" id="{D8F6D1F7-0EE1-4139-8F27-6A8A6048E8B3}"/>
               </a:ext>
             </a:extLst>
           </p:cNvPr>

--- a/BudgetBuddy(final).pptx
+++ b/BudgetBuddy(final).pptx
@@ -18,7 +18,7 @@
     <p:sldId id="272" r:id="rId6"/>
     <p:sldId id="273" r:id="rId7"/>
     <p:sldId id="274" r:id="rId8"/>
-    <p:sldId id="275" r:id="rId9"/>
+    <p:sldId id="280" r:id="rId9"/>
     <p:sldId id="276" r:id="rId10"/>
     <p:sldId id="278" r:id="rId11"/>
     <p:sldId id="277" r:id="rId12"/>
@@ -215,7 +215,7 @@
           <a:p>
             <a:fld id="{2BCAFC7A-71DD-4C2C-B63D-60FDC7DD5449}" type="datetimeFigureOut">
               <a:rPr lang="en-US" smtClean="0"/>
-              <a:t>7/28/18</a:t>
+              <a:t>7/29/2018</a:t>
             </a:fld>
             <a:endParaRPr lang="en-US"/>
           </a:p>
@@ -380,7 +380,7 @@
           <a:p>
             <a:fld id="{D85ECAFD-F005-4163-B10D-85806DC43F93}" type="datetimeFigureOut">
               <a:rPr lang="en-US" smtClean="0"/>
-              <a:t>7/28/18</a:t>
+              <a:t>7/29/2018</a:t>
             </a:fld>
             <a:endParaRPr lang="en-US"/>
           </a:p>
@@ -1524,7 +1524,7 @@
           <a:p>
             <a:fld id="{4AAD347D-5ACD-4C99-B74B-A9C85AD731AF}" type="datetimeFigureOut">
               <a:rPr lang="en-US" smtClean="0"/>
-              <a:t>7/28/18</a:t>
+              <a:t>7/29/2018</a:t>
             </a:fld>
             <a:endParaRPr lang="en-US"/>
           </a:p>
@@ -1796,7 +1796,7 @@
           <a:p>
             <a:fld id="{4509A250-FF31-4206-8172-F9D3106AACB1}" type="datetimeFigureOut">
               <a:rPr lang="en-US" smtClean="0"/>
-              <a:t>7/28/18</a:t>
+              <a:t>7/29/2018</a:t>
             </a:fld>
             <a:endParaRPr lang="en-US" dirty="0"/>
           </a:p>
@@ -1987,7 +1987,7 @@
           <a:p>
             <a:fld id="{4509A250-FF31-4206-8172-F9D3106AACB1}" type="datetimeFigureOut">
               <a:rPr lang="en-US" smtClean="0"/>
-              <a:t>7/28/18</a:t>
+              <a:t>7/29/2018</a:t>
             </a:fld>
             <a:endParaRPr lang="en-US" dirty="0"/>
           </a:p>
@@ -2319,7 +2319,7 @@
           <a:p>
             <a:fld id="{4509A250-FF31-4206-8172-F9D3106AACB1}" type="datetimeFigureOut">
               <a:rPr lang="en-US" smtClean="0"/>
-              <a:t>7/28/18</a:t>
+              <a:t>7/29/2018</a:t>
             </a:fld>
             <a:endParaRPr lang="en-US" dirty="0"/>
           </a:p>
@@ -2564,7 +2564,7 @@
           <a:p>
             <a:fld id="{4509A250-FF31-4206-8172-F9D3106AACB1}" type="datetimeFigureOut">
               <a:rPr lang="en-US" smtClean="0"/>
-              <a:t>7/28/18</a:t>
+              <a:t>7/29/2018</a:t>
             </a:fld>
             <a:endParaRPr lang="en-US" dirty="0"/>
           </a:p>
@@ -2859,7 +2859,7 @@
           <a:p>
             <a:fld id="{4509A250-FF31-4206-8172-F9D3106AACB1}" type="datetimeFigureOut">
               <a:rPr lang="en-US" smtClean="0"/>
-              <a:t>7/28/18</a:t>
+              <a:t>7/29/2018</a:t>
             </a:fld>
             <a:endParaRPr lang="en-US" dirty="0"/>
           </a:p>
@@ -3127,7 +3127,7 @@
           <a:p>
             <a:fld id="{4509A250-FF31-4206-8172-F9D3106AACB1}" type="datetimeFigureOut">
               <a:rPr lang="en-US" smtClean="0"/>
-              <a:t>7/28/18</a:t>
+              <a:t>7/29/2018</a:t>
             </a:fld>
             <a:endParaRPr lang="en-US" dirty="0"/>
           </a:p>
@@ -3748,7 +3748,7 @@
           <a:p>
             <a:fld id="{4509A250-FF31-4206-8172-F9D3106AACB1}" type="datetimeFigureOut">
               <a:rPr lang="en-US" smtClean="0"/>
-              <a:t>7/28/18</a:t>
+              <a:t>7/29/2018</a:t>
             </a:fld>
             <a:endParaRPr lang="en-US" dirty="0"/>
           </a:p>
@@ -4605,7 +4605,7 @@
           <a:p>
             <a:fld id="{4509A250-FF31-4206-8172-F9D3106AACB1}" type="datetimeFigureOut">
               <a:rPr lang="en-US" smtClean="0"/>
-              <a:t>7/28/18</a:t>
+              <a:t>7/29/2018</a:t>
             </a:fld>
             <a:endParaRPr lang="en-US" dirty="0"/>
           </a:p>
@@ -4772,7 +4772,7 @@
           <a:p>
             <a:fld id="{4509A250-FF31-4206-8172-F9D3106AACB1}" type="datetimeFigureOut">
               <a:rPr lang="en-US" smtClean="0"/>
-              <a:t>7/28/18</a:t>
+              <a:t>7/29/2018</a:t>
             </a:fld>
             <a:endParaRPr lang="en-US" dirty="0"/>
           </a:p>
@@ -4949,7 +4949,7 @@
           <a:p>
             <a:fld id="{4509A250-FF31-4206-8172-F9D3106AACB1}" type="datetimeFigureOut">
               <a:rPr lang="en-US" smtClean="0"/>
-              <a:t>7/28/18</a:t>
+              <a:t>7/29/2018</a:t>
             </a:fld>
             <a:endParaRPr lang="en-US" dirty="0"/>
           </a:p>
@@ -5116,7 +5116,7 @@
           <a:p>
             <a:fld id="{4509A250-FF31-4206-8172-F9D3106AACB1}" type="datetimeFigureOut">
               <a:rPr lang="en-US" smtClean="0"/>
-              <a:t>7/28/18</a:t>
+              <a:t>7/29/2018</a:t>
             </a:fld>
             <a:endParaRPr lang="en-US" dirty="0"/>
           </a:p>
@@ -5361,7 +5361,7 @@
           <a:p>
             <a:fld id="{9796027F-7875-4030-9381-8BD8C4F21935}" type="datetimeFigureOut">
               <a:rPr lang="en-US" smtClean="0"/>
-              <a:t>7/28/18</a:t>
+              <a:t>7/29/2018</a:t>
             </a:fld>
             <a:endParaRPr lang="en-US"/>
           </a:p>
@@ -5648,7 +5648,7 @@
           <a:p>
             <a:fld id="{9796027F-7875-4030-9381-8BD8C4F21935}" type="datetimeFigureOut">
               <a:rPr lang="en-US" smtClean="0"/>
-              <a:t>7/28/18</a:t>
+              <a:t>7/29/2018</a:t>
             </a:fld>
             <a:endParaRPr lang="en-US"/>
           </a:p>
@@ -6087,7 +6087,7 @@
           <a:p>
             <a:fld id="{9796027F-7875-4030-9381-8BD8C4F21935}" type="datetimeFigureOut">
               <a:rPr lang="en-US" smtClean="0"/>
-              <a:t>7/28/18</a:t>
+              <a:t>7/29/2018</a:t>
             </a:fld>
             <a:endParaRPr lang="en-US"/>
           </a:p>
@@ -6202,7 +6202,7 @@
           <a:p>
             <a:fld id="{4509A250-FF31-4206-8172-F9D3106AACB1}" type="datetimeFigureOut">
               <a:rPr lang="en-US" smtClean="0"/>
-              <a:t>7/28/18</a:t>
+              <a:t>7/29/2018</a:t>
             </a:fld>
             <a:endParaRPr lang="en-US" dirty="0"/>
           </a:p>
@@ -6295,7 +6295,7 @@
           <a:p>
             <a:fld id="{4509A250-FF31-4206-8172-F9D3106AACB1}" type="datetimeFigureOut">
               <a:rPr lang="en-US" smtClean="0"/>
-              <a:t>7/28/18</a:t>
+              <a:t>7/29/2018</a:t>
             </a:fld>
             <a:endParaRPr lang="en-US" dirty="0"/>
           </a:p>
@@ -6571,7 +6571,7 @@
           <a:p>
             <a:fld id="{4509A250-FF31-4206-8172-F9D3106AACB1}" type="datetimeFigureOut">
               <a:rPr lang="en-US" smtClean="0"/>
-              <a:t>7/28/18</a:t>
+              <a:t>7/29/2018</a:t>
             </a:fld>
             <a:endParaRPr lang="en-US" dirty="0"/>
           </a:p>
@@ -6843,7 +6843,7 @@
           <a:p>
             <a:fld id="{4509A250-FF31-4206-8172-F9D3106AACB1}" type="datetimeFigureOut">
               <a:rPr lang="en-US" smtClean="0"/>
-              <a:t>7/28/18</a:t>
+              <a:t>7/29/2018</a:t>
             </a:fld>
             <a:endParaRPr lang="en-US" dirty="0"/>
           </a:p>
@@ -7240,7 +7240,7 @@
             <a:fld id="{4AAD347D-5ACD-4C99-B74B-A9C85AD731AF}" type="datetimeFigureOut">
               <a:rPr lang="en-US" smtClean="0"/>
               <a:pPr/>
-              <a:t>7/28/18</a:t>
+              <a:t>7/29/2018</a:t>
             </a:fld>
             <a:endParaRPr lang="en-US" dirty="0"/>
           </a:p>
@@ -7887,7 +7887,7 @@
           <p:cNvPr id="2" name="Title 1">
             <a:extLst>
               <a:ext uri="{FF2B5EF4-FFF2-40B4-BE49-F238E27FC236}">
-                <a16:creationId xmlns:a16="http://schemas.microsoft.com/office/drawing/2014/main" xmlns="" id="{5B758DBA-9B94-47BC-A4DA-EE518F1EEF79}"/>
+                <a16:creationId xmlns:a16="http://schemas.microsoft.com/office/drawing/2014/main" id="{5B758DBA-9B94-47BC-A4DA-EE518F1EEF79}"/>
               </a:ext>
             </a:extLst>
           </p:cNvPr>
@@ -7905,7 +7905,7 @@
           <a:p>
             <a:r>
               <a:rPr lang="en-US" dirty="0"/>
-              <a:t>Tom’s Slide</a:t>
+              <a:t>Tom – React Native</a:t>
             </a:r>
           </a:p>
         </p:txBody>
@@ -7915,7 +7915,7 @@
           <p:cNvPr id="3" name="Content Placeholder 2">
             <a:extLst>
               <a:ext uri="{FF2B5EF4-FFF2-40B4-BE49-F238E27FC236}">
-                <a16:creationId xmlns:a16="http://schemas.microsoft.com/office/drawing/2014/main" xmlns="" id="{D8F6D1F7-0EE1-4139-8F27-6A8A6048E8B3}"/>
+                <a16:creationId xmlns:a16="http://schemas.microsoft.com/office/drawing/2014/main" id="{D8F6D1F7-0EE1-4139-8F27-6A8A6048E8B3}"/>
               </a:ext>
             </a:extLst>
           </p:cNvPr>
@@ -7933,14 +7933,78 @@
           <a:p>
             <a:r>
               <a:rPr lang="en-US" dirty="0"/>
+              <a:t>iOS App</a:t>
+            </a:r>
+          </a:p>
+          <a:p>
+            <a:pPr lvl="1"/>
+            <a:r>
+              <a:rPr lang="en-US" dirty="0"/>
+              <a:t>Would </a:t>
+            </a:r>
+            <a:r>
+              <a:rPr lang="en-US"/>
+              <a:t>supplement Android </a:t>
+            </a:r>
+            <a:r>
+              <a:rPr lang="en-US" dirty="0"/>
+              <a:t>a</a:t>
+            </a:r>
+            <a:r>
+              <a:rPr lang="en-US"/>
+              <a:t>pp</a:t>
+            </a:r>
+            <a:endParaRPr lang="en-US" dirty="0"/>
+          </a:p>
+          <a:p>
+            <a:r>
+              <a:rPr lang="en-US" dirty="0"/>
               <a:t>React Native</a:t>
             </a:r>
           </a:p>
           <a:p>
-            <a:r>
-              <a:rPr lang="en-US"/>
-              <a:t>iOS</a:t>
-            </a:r>
+            <a:pPr lvl="1"/>
+            <a:r>
+              <a:rPr lang="en-US" dirty="0"/>
+              <a:t>High demand</a:t>
+            </a:r>
+          </a:p>
+          <a:p>
+            <a:pPr lvl="1"/>
+            <a:r>
+              <a:rPr lang="en-US" dirty="0"/>
+              <a:t>Platform independent</a:t>
+            </a:r>
+          </a:p>
+          <a:p>
+            <a:r>
+              <a:rPr lang="en-US" dirty="0"/>
+              <a:t>Incomplete</a:t>
+            </a:r>
+          </a:p>
+          <a:p>
+            <a:pPr lvl="1"/>
+            <a:r>
+              <a:rPr lang="en-US" dirty="0"/>
+              <a:t>High learning curve</a:t>
+            </a:r>
+          </a:p>
+          <a:p>
+            <a:pPr lvl="1"/>
+            <a:r>
+              <a:rPr lang="en-US" dirty="0"/>
+              <a:t>Little experience on team</a:t>
+            </a:r>
+          </a:p>
+          <a:p>
+            <a:pPr lvl="1"/>
+            <a:r>
+              <a:rPr lang="en-US" dirty="0"/>
+              <a:t>Stretch Goal (Only one dedicated developer)</a:t>
+            </a:r>
+          </a:p>
+          <a:p>
+            <a:endParaRPr lang="en-US" dirty="0"/>
           </a:p>
         </p:txBody>
       </p:sp>
@@ -7979,7 +8043,7 @@
           <p:cNvPr id="2" name="Title 1">
             <a:extLst>
               <a:ext uri="{FF2B5EF4-FFF2-40B4-BE49-F238E27FC236}">
-                <a16:creationId xmlns:a16="http://schemas.microsoft.com/office/drawing/2014/main" xmlns="" id="{5B758DBA-9B94-47BC-A4DA-EE518F1EEF79}"/>
+                <a16:creationId xmlns:a16="http://schemas.microsoft.com/office/drawing/2014/main" id="{5B758DBA-9B94-47BC-A4DA-EE518F1EEF79}"/>
               </a:ext>
             </a:extLst>
           </p:cNvPr>
@@ -8007,7 +8071,7 @@
           <p:cNvPr id="3" name="Content Placeholder 2">
             <a:extLst>
               <a:ext uri="{FF2B5EF4-FFF2-40B4-BE49-F238E27FC236}">
-                <a16:creationId xmlns:a16="http://schemas.microsoft.com/office/drawing/2014/main" xmlns="" id="{D8F6D1F7-0EE1-4139-8F27-6A8A6048E8B3}"/>
+                <a16:creationId xmlns:a16="http://schemas.microsoft.com/office/drawing/2014/main" id="{D8F6D1F7-0EE1-4139-8F27-6A8A6048E8B3}"/>
               </a:ext>
             </a:extLst>
           </p:cNvPr>
@@ -8348,7 +8412,7 @@
           <p:cNvPr id="2" name="Content Placeholder 1">
             <a:extLst>
               <a:ext uri="{FF2B5EF4-FFF2-40B4-BE49-F238E27FC236}">
-                <a16:creationId xmlns:a16="http://schemas.microsoft.com/office/drawing/2014/main" xmlns="" id="{297DB042-60EF-409E-AF39-39E11BA7F320}"/>
+                <a16:creationId xmlns:a16="http://schemas.microsoft.com/office/drawing/2014/main" id="{297DB042-60EF-409E-AF39-39E11BA7F320}"/>
               </a:ext>
             </a:extLst>
           </p:cNvPr>
@@ -8485,21 +8549,8 @@
           <a:p>
             <a:r>
               <a:rPr lang="en-US" dirty="0"/>
-              <a:t>Tuan Pham			</a:t>
-            </a:r>
-            <a:r>
-              <a:rPr lang="en-US" dirty="0" smtClean="0"/>
-              <a:t>-Web app’s front-end, back-end, </a:t>
-            </a:r>
-            <a:r>
-              <a:rPr lang="en-US" dirty="0" err="1" smtClean="0"/>
-              <a:t>RESTful</a:t>
-            </a:r>
-            <a:r>
-              <a:rPr lang="en-US" dirty="0" smtClean="0"/>
-              <a:t> API</a:t>
-            </a:r>
-            <a:endParaRPr lang="en-US" dirty="0"/>
+              <a:t>Tuan Pham			-Web app’s front-end, back-end, RESTful API</a:t>
+            </a:r>
           </a:p>
           <a:p>
             <a:r>
@@ -8621,7 +8672,7 @@
           <p:cNvPr id="2" name="Title 1">
             <a:extLst>
               <a:ext uri="{FF2B5EF4-FFF2-40B4-BE49-F238E27FC236}">
-                <a16:creationId xmlns:a16="http://schemas.microsoft.com/office/drawing/2014/main" xmlns="" id="{5B758DBA-9B94-47BC-A4DA-EE518F1EEF79}"/>
+                <a16:creationId xmlns:a16="http://schemas.microsoft.com/office/drawing/2014/main" id="{5B758DBA-9B94-47BC-A4DA-EE518F1EEF79}"/>
               </a:ext>
             </a:extLst>
           </p:cNvPr>
@@ -8649,7 +8700,7 @@
           <p:cNvPr id="5" name="Picture 4">
             <a:extLst>
               <a:ext uri="{FF2B5EF4-FFF2-40B4-BE49-F238E27FC236}">
-                <a16:creationId xmlns:a16="http://schemas.microsoft.com/office/drawing/2014/main" xmlns="" id="{84AA05BE-7D25-4446-B862-587825554C33}"/>
+                <a16:creationId xmlns:a16="http://schemas.microsoft.com/office/drawing/2014/main" id="{84AA05BE-7D25-4446-B862-587825554C33}"/>
               </a:ext>
             </a:extLst>
           </p:cNvPr>
@@ -8679,7 +8730,7 @@
           <p:cNvPr id="7" name="Picture 6">
             <a:extLst>
               <a:ext uri="{FF2B5EF4-FFF2-40B4-BE49-F238E27FC236}">
-                <a16:creationId xmlns:a16="http://schemas.microsoft.com/office/drawing/2014/main" xmlns="" id="{31B700A4-912C-44EE-8FB2-85AAE795719C}"/>
+                <a16:creationId xmlns:a16="http://schemas.microsoft.com/office/drawing/2014/main" id="{31B700A4-912C-44EE-8FB2-85AAE795719C}"/>
               </a:ext>
             </a:extLst>
           </p:cNvPr>
@@ -8709,7 +8760,7 @@
           <p:cNvPr id="9" name="Picture 8">
             <a:extLst>
               <a:ext uri="{FF2B5EF4-FFF2-40B4-BE49-F238E27FC236}">
-                <a16:creationId xmlns:a16="http://schemas.microsoft.com/office/drawing/2014/main" xmlns="" id="{BE16F71A-8DC8-47B3-AAC3-998236FE9DD5}"/>
+                <a16:creationId xmlns:a16="http://schemas.microsoft.com/office/drawing/2014/main" id="{BE16F71A-8DC8-47B3-AAC3-998236FE9DD5}"/>
               </a:ext>
             </a:extLst>
           </p:cNvPr>
@@ -8769,7 +8820,7 @@
           <p:cNvPr id="2" name="Title 1">
             <a:extLst>
               <a:ext uri="{FF2B5EF4-FFF2-40B4-BE49-F238E27FC236}">
-                <a16:creationId xmlns:a16="http://schemas.microsoft.com/office/drawing/2014/main" xmlns="" id="{5B758DBA-9B94-47BC-A4DA-EE518F1EEF79}"/>
+                <a16:creationId xmlns:a16="http://schemas.microsoft.com/office/drawing/2014/main" id="{5B758DBA-9B94-47BC-A4DA-EE518F1EEF79}"/>
               </a:ext>
             </a:extLst>
           </p:cNvPr>
@@ -8797,7 +8848,7 @@
           <p:cNvPr id="3" name="Content Placeholder 2">
             <a:extLst>
               <a:ext uri="{FF2B5EF4-FFF2-40B4-BE49-F238E27FC236}">
-                <a16:creationId xmlns:a16="http://schemas.microsoft.com/office/drawing/2014/main" xmlns="" id="{D8F6D1F7-0EE1-4139-8F27-6A8A6048E8B3}"/>
+                <a16:creationId xmlns:a16="http://schemas.microsoft.com/office/drawing/2014/main" id="{D8F6D1F7-0EE1-4139-8F27-6A8A6048E8B3}"/>
               </a:ext>
             </a:extLst>
           </p:cNvPr>
@@ -8852,7 +8903,7 @@
           <p:cNvPr id="2" name="Title 1">
             <a:extLst>
               <a:ext uri="{FF2B5EF4-FFF2-40B4-BE49-F238E27FC236}">
-                <a16:creationId xmlns:a16="http://schemas.microsoft.com/office/drawing/2014/main" xmlns="" id="{5B758DBA-9B94-47BC-A4DA-EE518F1EEF79}"/>
+                <a16:creationId xmlns:a16="http://schemas.microsoft.com/office/drawing/2014/main" id="{5B758DBA-9B94-47BC-A4DA-EE518F1EEF79}"/>
               </a:ext>
             </a:extLst>
           </p:cNvPr>
@@ -8880,7 +8931,7 @@
           <p:cNvPr id="3" name="Content Placeholder 2">
             <a:extLst>
               <a:ext uri="{FF2B5EF4-FFF2-40B4-BE49-F238E27FC236}">
-                <a16:creationId xmlns:a16="http://schemas.microsoft.com/office/drawing/2014/main" xmlns="" id="{D8F6D1F7-0EE1-4139-8F27-6A8A6048E8B3}"/>
+                <a16:creationId xmlns:a16="http://schemas.microsoft.com/office/drawing/2014/main" id="{D8F6D1F7-0EE1-4139-8F27-6A8A6048E8B3}"/>
               </a:ext>
             </a:extLst>
           </p:cNvPr>
@@ -8935,7 +8986,7 @@
           <p:cNvPr id="2" name="Title 1">
             <a:extLst>
               <a:ext uri="{FF2B5EF4-FFF2-40B4-BE49-F238E27FC236}">
-                <a16:creationId xmlns:a16="http://schemas.microsoft.com/office/drawing/2014/main" xmlns="" id="{5B758DBA-9B94-47BC-A4DA-EE518F1EEF79}"/>
+                <a16:creationId xmlns:a16="http://schemas.microsoft.com/office/drawing/2014/main" id="{5B758DBA-9B94-47BC-A4DA-EE518F1EEF79}"/>
               </a:ext>
             </a:extLst>
           </p:cNvPr>
@@ -8963,7 +9014,7 @@
           <p:cNvPr id="3" name="Content Placeholder 2">
             <a:extLst>
               <a:ext uri="{FF2B5EF4-FFF2-40B4-BE49-F238E27FC236}">
-                <a16:creationId xmlns:a16="http://schemas.microsoft.com/office/drawing/2014/main" xmlns="" id="{D8F6D1F7-0EE1-4139-8F27-6A8A6048E8B3}"/>
+                <a16:creationId xmlns:a16="http://schemas.microsoft.com/office/drawing/2014/main" id="{D8F6D1F7-0EE1-4139-8F27-6A8A6048E8B3}"/>
               </a:ext>
             </a:extLst>
           </p:cNvPr>
@@ -9018,7 +9069,7 @@
           <p:cNvPr id="2" name="Title 1">
             <a:extLst>
               <a:ext uri="{FF2B5EF4-FFF2-40B4-BE49-F238E27FC236}">
-                <a16:creationId xmlns:a16="http://schemas.microsoft.com/office/drawing/2014/main" xmlns="" id="{5B758DBA-9B94-47BC-A4DA-EE518F1EEF79}"/>
+                <a16:creationId xmlns:a16="http://schemas.microsoft.com/office/drawing/2014/main" id="{5B758DBA-9B94-47BC-A4DA-EE518F1EEF79}"/>
               </a:ext>
             </a:extLst>
           </p:cNvPr>
@@ -9035,9 +9086,10 @@
           <a:lstStyle/>
           <a:p>
             <a:r>
-              <a:rPr lang="en-US" dirty="0"/>
-              <a:t>Tuan’s Slide</a:t>
-            </a:r>
+              <a:rPr lang="en-US"/>
+              <a:t>Tuan – Front/Back ends, API</a:t>
+            </a:r>
+            <a:endParaRPr lang="en-US" dirty="0"/>
           </a:p>
         </p:txBody>
       </p:sp>
@@ -9046,7 +9098,7 @@
           <p:cNvPr id="3" name="Content Placeholder 2">
             <a:extLst>
               <a:ext uri="{FF2B5EF4-FFF2-40B4-BE49-F238E27FC236}">
-                <a16:creationId xmlns:a16="http://schemas.microsoft.com/office/drawing/2014/main" xmlns="" id="{D8F6D1F7-0EE1-4139-8F27-6A8A6048E8B3}"/>
+                <a16:creationId xmlns:a16="http://schemas.microsoft.com/office/drawing/2014/main" id="{D8F6D1F7-0EE1-4139-8F27-6A8A6048E8B3}"/>
               </a:ext>
             </a:extLst>
           </p:cNvPr>
@@ -9063,67 +9115,66 @@
           <a:lstStyle/>
           <a:p>
             <a:r>
-              <a:rPr lang="en-US" dirty="0" smtClean="0"/>
+              <a:rPr lang="en-US" dirty="0"/>
               <a:t>Front-end</a:t>
             </a:r>
           </a:p>
           <a:p>
             <a:pPr lvl="1"/>
             <a:r>
-              <a:rPr lang="en-US" dirty="0" smtClean="0"/>
+              <a:rPr lang="en-US" dirty="0"/>
               <a:t>Bootstrap</a:t>
             </a:r>
           </a:p>
           <a:p>
             <a:pPr lvl="1"/>
             <a:r>
-              <a:rPr lang="en-US" dirty="0" smtClean="0"/>
+              <a:rPr lang="en-US" dirty="0"/>
               <a:t>Chart JS for data’s graphical presentation</a:t>
             </a:r>
           </a:p>
           <a:p>
             <a:r>
-              <a:rPr lang="en-US" dirty="0" smtClean="0"/>
+              <a:rPr lang="en-US" dirty="0"/>
               <a:t>Back-end</a:t>
             </a:r>
           </a:p>
           <a:p>
             <a:pPr lvl="1"/>
             <a:r>
-              <a:rPr lang="en-US" dirty="0" smtClean="0"/>
+              <a:rPr lang="en-US" dirty="0"/>
               <a:t>Django: provide scaffold, easy to build more complex features</a:t>
             </a:r>
           </a:p>
           <a:p>
             <a:r>
-              <a:rPr lang="en-US" dirty="0" err="1" smtClean="0"/>
+              <a:rPr lang="en-US" dirty="0" err="1"/>
               <a:t>RESTful</a:t>
             </a:r>
             <a:r>
-              <a:rPr lang="en-US" dirty="0" smtClean="0"/>
+              <a:rPr lang="en-US" dirty="0"/>
               <a:t> API</a:t>
             </a:r>
           </a:p>
           <a:p>
             <a:pPr lvl="1"/>
             <a:r>
-              <a:rPr lang="en-US" dirty="0" smtClean="0"/>
+              <a:rPr lang="en-US" dirty="0"/>
               <a:t>Model </a:t>
             </a:r>
             <a:r>
-              <a:rPr lang="en-US" dirty="0" err="1" smtClean="0"/>
+              <a:rPr lang="en-US" dirty="0" err="1"/>
               <a:t>Serializers</a:t>
             </a:r>
             <a:r>
-              <a:rPr lang="en-US" dirty="0" smtClean="0"/>
+              <a:rPr lang="en-US" dirty="0"/>
               <a:t>: convert data to JSON for HTTP requests from mobile app</a:t>
             </a:r>
-            <a:endParaRPr lang="en-US" dirty="0"/>
           </a:p>
           <a:p>
             <a:pPr lvl="1"/>
             <a:r>
-              <a:rPr lang="en-US" dirty="0" smtClean="0"/>
+              <a:rPr lang="en-US" dirty="0"/>
               <a:t>JSON Web Token Authentication: authenticate users and requests </a:t>
             </a:r>
           </a:p>
@@ -9132,7 +9183,7 @@
     </p:spTree>
     <p:extLst>
       <p:ext uri="{BB962C8B-B14F-4D97-AF65-F5344CB8AC3E}">
-        <p14:creationId xmlns:p14="http://schemas.microsoft.com/office/powerpoint/2010/main" val="1767666753"/>
+        <p14:creationId xmlns:p14="http://schemas.microsoft.com/office/powerpoint/2010/main" val="2924505098"/>
       </p:ext>
     </p:extLst>
   </p:cSld>
@@ -9164,7 +9215,7 @@
           <p:cNvPr id="2" name="Title 1">
             <a:extLst>
               <a:ext uri="{FF2B5EF4-FFF2-40B4-BE49-F238E27FC236}">
-                <a16:creationId xmlns:a16="http://schemas.microsoft.com/office/drawing/2014/main" xmlns="" id="{5B758DBA-9B94-47BC-A4DA-EE518F1EEF79}"/>
+                <a16:creationId xmlns:a16="http://schemas.microsoft.com/office/drawing/2014/main" id="{5B758DBA-9B94-47BC-A4DA-EE518F1EEF79}"/>
               </a:ext>
             </a:extLst>
           </p:cNvPr>
@@ -9192,7 +9243,7 @@
           <p:cNvPr id="3" name="Content Placeholder 2">
             <a:extLst>
               <a:ext uri="{FF2B5EF4-FFF2-40B4-BE49-F238E27FC236}">
-                <a16:creationId xmlns:a16="http://schemas.microsoft.com/office/drawing/2014/main" xmlns="" id="{D8F6D1F7-0EE1-4139-8F27-6A8A6048E8B3}"/>
+                <a16:creationId xmlns:a16="http://schemas.microsoft.com/office/drawing/2014/main" id="{D8F6D1F7-0EE1-4139-8F27-6A8A6048E8B3}"/>
               </a:ext>
             </a:extLst>
           </p:cNvPr>

--- a/BudgetBuddy(final).pptx
+++ b/BudgetBuddy(final).pptx
@@ -5,28 +5,30 @@
     <p:sldMasterId id="2147483648" r:id="rId1"/>
   </p:sldMasterIdLst>
   <p:notesMasterIdLst>
-    <p:notesMasterId r:id="rId18"/>
+    <p:notesMasterId r:id="rId20"/>
   </p:notesMasterIdLst>
   <p:handoutMasterIdLst>
-    <p:handoutMasterId r:id="rId19"/>
+    <p:handoutMasterId r:id="rId21"/>
   </p:handoutMasterIdLst>
   <p:sldIdLst>
     <p:sldId id="257" r:id="rId2"/>
     <p:sldId id="263" r:id="rId3"/>
-    <p:sldId id="261" r:id="rId4"/>
-    <p:sldId id="279" r:id="rId5"/>
-    <p:sldId id="272" r:id="rId6"/>
-    <p:sldId id="273" r:id="rId7"/>
-    <p:sldId id="274" r:id="rId8"/>
-    <p:sldId id="280" r:id="rId9"/>
-    <p:sldId id="276" r:id="rId10"/>
-    <p:sldId id="278" r:id="rId11"/>
-    <p:sldId id="277" r:id="rId12"/>
-    <p:sldId id="262" r:id="rId13"/>
-    <p:sldId id="259" r:id="rId14"/>
-    <p:sldId id="264" r:id="rId15"/>
-    <p:sldId id="260" r:id="rId16"/>
-    <p:sldId id="270" r:id="rId17"/>
+    <p:sldId id="281" r:id="rId4"/>
+    <p:sldId id="282" r:id="rId5"/>
+    <p:sldId id="261" r:id="rId6"/>
+    <p:sldId id="272" r:id="rId7"/>
+    <p:sldId id="273" r:id="rId8"/>
+    <p:sldId id="283" r:id="rId9"/>
+    <p:sldId id="274" r:id="rId10"/>
+    <p:sldId id="280" r:id="rId11"/>
+    <p:sldId id="276" r:id="rId12"/>
+    <p:sldId id="278" r:id="rId13"/>
+    <p:sldId id="277" r:id="rId14"/>
+    <p:sldId id="262" r:id="rId15"/>
+    <p:sldId id="259" r:id="rId16"/>
+    <p:sldId id="264" r:id="rId17"/>
+    <p:sldId id="260" r:id="rId18"/>
+    <p:sldId id="270" r:id="rId19"/>
   </p:sldIdLst>
   <p:sldSz cx="12192000" cy="6858000"/>
   <p:notesSz cx="7023100" cy="9309100"/>
@@ -215,7 +217,7 @@
           <a:p>
             <a:fld id="{2BCAFC7A-71DD-4C2C-B63D-60FDC7DD5449}" type="datetimeFigureOut">
               <a:rPr lang="en-US" smtClean="0"/>
-              <a:t>7/29/2018</a:t>
+              <a:t>7/30/2018</a:t>
             </a:fld>
             <a:endParaRPr lang="en-US"/>
           </a:p>
@@ -380,7 +382,7 @@
           <a:p>
             <a:fld id="{D85ECAFD-F005-4163-B10D-85806DC43F93}" type="datetimeFigureOut">
               <a:rPr lang="en-US" smtClean="0"/>
-              <a:t>7/29/2018</a:t>
+              <a:t>7/30/2018</a:t>
             </a:fld>
             <a:endParaRPr lang="en-US"/>
           </a:p>
@@ -889,7 +891,7 @@
             <a:fld id="{5257B995-136A-4A15-87A5-26420C3C1021}" type="slidenum">
               <a:rPr lang="en-US" smtClean="0"/>
               <a:pPr/>
-              <a:t>3</a:t>
+              <a:t>5</a:t>
             </a:fld>
             <a:endParaRPr lang="en-US"/>
           </a:p>
@@ -976,7 +978,7 @@
             <a:fld id="{5257B995-136A-4A15-87A5-26420C3C1021}" type="slidenum">
               <a:rPr lang="en-US" smtClean="0"/>
               <a:pPr/>
-              <a:t>12</a:t>
+              <a:t>14</a:t>
             </a:fld>
             <a:endParaRPr lang="en-US"/>
           </a:p>
@@ -1063,7 +1065,7 @@
             <a:fld id="{5257B995-136A-4A15-87A5-26420C3C1021}" type="slidenum">
               <a:rPr lang="en-US" smtClean="0"/>
               <a:pPr/>
-              <a:t>13</a:t>
+              <a:t>15</a:t>
             </a:fld>
             <a:endParaRPr lang="en-US"/>
           </a:p>
@@ -1150,7 +1152,7 @@
             <a:fld id="{5257B995-136A-4A15-87A5-26420C3C1021}" type="slidenum">
               <a:rPr lang="en-US" smtClean="0"/>
               <a:pPr/>
-              <a:t>14</a:t>
+              <a:t>16</a:t>
             </a:fld>
             <a:endParaRPr lang="en-US"/>
           </a:p>
@@ -1237,7 +1239,7 @@
             <a:fld id="{5257B995-136A-4A15-87A5-26420C3C1021}" type="slidenum">
               <a:rPr lang="en-US" smtClean="0"/>
               <a:pPr/>
-              <a:t>15</a:t>
+              <a:t>17</a:t>
             </a:fld>
             <a:endParaRPr lang="en-US"/>
           </a:p>
@@ -1321,7 +1323,7 @@
           <a:p>
             <a:fld id="{333E963C-1534-4F8D-B2A7-66D81AA25953}" type="slidenum">
               <a:rPr lang="en-US" smtClean="0"/>
-              <a:t>16</a:t>
+              <a:t>18</a:t>
             </a:fld>
             <a:endParaRPr lang="en-US"/>
           </a:p>
@@ -1524,7 +1526,7 @@
           <a:p>
             <a:fld id="{4AAD347D-5ACD-4C99-B74B-A9C85AD731AF}" type="datetimeFigureOut">
               <a:rPr lang="en-US" smtClean="0"/>
-              <a:t>7/29/2018</a:t>
+              <a:t>7/30/2018</a:t>
             </a:fld>
             <a:endParaRPr lang="en-US"/>
           </a:p>
@@ -1796,7 +1798,7 @@
           <a:p>
             <a:fld id="{4509A250-FF31-4206-8172-F9D3106AACB1}" type="datetimeFigureOut">
               <a:rPr lang="en-US" smtClean="0"/>
-              <a:t>7/29/2018</a:t>
+              <a:t>7/30/2018</a:t>
             </a:fld>
             <a:endParaRPr lang="en-US" dirty="0"/>
           </a:p>
@@ -1987,7 +1989,7 @@
           <a:p>
             <a:fld id="{4509A250-FF31-4206-8172-F9D3106AACB1}" type="datetimeFigureOut">
               <a:rPr lang="en-US" smtClean="0"/>
-              <a:t>7/29/2018</a:t>
+              <a:t>7/30/2018</a:t>
             </a:fld>
             <a:endParaRPr lang="en-US" dirty="0"/>
           </a:p>
@@ -2319,7 +2321,7 @@
           <a:p>
             <a:fld id="{4509A250-FF31-4206-8172-F9D3106AACB1}" type="datetimeFigureOut">
               <a:rPr lang="en-US" smtClean="0"/>
-              <a:t>7/29/2018</a:t>
+              <a:t>7/30/2018</a:t>
             </a:fld>
             <a:endParaRPr lang="en-US" dirty="0"/>
           </a:p>
@@ -2564,7 +2566,7 @@
           <a:p>
             <a:fld id="{4509A250-FF31-4206-8172-F9D3106AACB1}" type="datetimeFigureOut">
               <a:rPr lang="en-US" smtClean="0"/>
-              <a:t>7/29/2018</a:t>
+              <a:t>7/30/2018</a:t>
             </a:fld>
             <a:endParaRPr lang="en-US" dirty="0"/>
           </a:p>
@@ -2859,7 +2861,7 @@
           <a:p>
             <a:fld id="{4509A250-FF31-4206-8172-F9D3106AACB1}" type="datetimeFigureOut">
               <a:rPr lang="en-US" smtClean="0"/>
-              <a:t>7/29/2018</a:t>
+              <a:t>7/30/2018</a:t>
             </a:fld>
             <a:endParaRPr lang="en-US" dirty="0"/>
           </a:p>
@@ -3127,7 +3129,7 @@
           <a:p>
             <a:fld id="{4509A250-FF31-4206-8172-F9D3106AACB1}" type="datetimeFigureOut">
               <a:rPr lang="en-US" smtClean="0"/>
-              <a:t>7/29/2018</a:t>
+              <a:t>7/30/2018</a:t>
             </a:fld>
             <a:endParaRPr lang="en-US" dirty="0"/>
           </a:p>
@@ -3748,7 +3750,7 @@
           <a:p>
             <a:fld id="{4509A250-FF31-4206-8172-F9D3106AACB1}" type="datetimeFigureOut">
               <a:rPr lang="en-US" smtClean="0"/>
-              <a:t>7/29/2018</a:t>
+              <a:t>7/30/2018</a:t>
             </a:fld>
             <a:endParaRPr lang="en-US" dirty="0"/>
           </a:p>
@@ -4605,7 +4607,7 @@
           <a:p>
             <a:fld id="{4509A250-FF31-4206-8172-F9D3106AACB1}" type="datetimeFigureOut">
               <a:rPr lang="en-US" smtClean="0"/>
-              <a:t>7/29/2018</a:t>
+              <a:t>7/30/2018</a:t>
             </a:fld>
             <a:endParaRPr lang="en-US" dirty="0"/>
           </a:p>
@@ -4772,7 +4774,7 @@
           <a:p>
             <a:fld id="{4509A250-FF31-4206-8172-F9D3106AACB1}" type="datetimeFigureOut">
               <a:rPr lang="en-US" smtClean="0"/>
-              <a:t>7/29/2018</a:t>
+              <a:t>7/30/2018</a:t>
             </a:fld>
             <a:endParaRPr lang="en-US" dirty="0"/>
           </a:p>
@@ -4949,7 +4951,7 @@
           <a:p>
             <a:fld id="{4509A250-FF31-4206-8172-F9D3106AACB1}" type="datetimeFigureOut">
               <a:rPr lang="en-US" smtClean="0"/>
-              <a:t>7/29/2018</a:t>
+              <a:t>7/30/2018</a:t>
             </a:fld>
             <a:endParaRPr lang="en-US" dirty="0"/>
           </a:p>
@@ -5116,7 +5118,7 @@
           <a:p>
             <a:fld id="{4509A250-FF31-4206-8172-F9D3106AACB1}" type="datetimeFigureOut">
               <a:rPr lang="en-US" smtClean="0"/>
-              <a:t>7/29/2018</a:t>
+              <a:t>7/30/2018</a:t>
             </a:fld>
             <a:endParaRPr lang="en-US" dirty="0"/>
           </a:p>
@@ -5361,7 +5363,7 @@
           <a:p>
             <a:fld id="{9796027F-7875-4030-9381-8BD8C4F21935}" type="datetimeFigureOut">
               <a:rPr lang="en-US" smtClean="0"/>
-              <a:t>7/29/2018</a:t>
+              <a:t>7/30/2018</a:t>
             </a:fld>
             <a:endParaRPr lang="en-US"/>
           </a:p>
@@ -5648,7 +5650,7 @@
           <a:p>
             <a:fld id="{9796027F-7875-4030-9381-8BD8C4F21935}" type="datetimeFigureOut">
               <a:rPr lang="en-US" smtClean="0"/>
-              <a:t>7/29/2018</a:t>
+              <a:t>7/30/2018</a:t>
             </a:fld>
             <a:endParaRPr lang="en-US"/>
           </a:p>
@@ -6087,7 +6089,7 @@
           <a:p>
             <a:fld id="{9796027F-7875-4030-9381-8BD8C4F21935}" type="datetimeFigureOut">
               <a:rPr lang="en-US" smtClean="0"/>
-              <a:t>7/29/2018</a:t>
+              <a:t>7/30/2018</a:t>
             </a:fld>
             <a:endParaRPr lang="en-US"/>
           </a:p>
@@ -6202,7 +6204,7 @@
           <a:p>
             <a:fld id="{4509A250-FF31-4206-8172-F9D3106AACB1}" type="datetimeFigureOut">
               <a:rPr lang="en-US" smtClean="0"/>
-              <a:t>7/29/2018</a:t>
+              <a:t>7/30/2018</a:t>
             </a:fld>
             <a:endParaRPr lang="en-US" dirty="0"/>
           </a:p>
@@ -6295,7 +6297,7 @@
           <a:p>
             <a:fld id="{4509A250-FF31-4206-8172-F9D3106AACB1}" type="datetimeFigureOut">
               <a:rPr lang="en-US" smtClean="0"/>
-              <a:t>7/29/2018</a:t>
+              <a:t>7/30/2018</a:t>
             </a:fld>
             <a:endParaRPr lang="en-US" dirty="0"/>
           </a:p>
@@ -6571,7 +6573,7 @@
           <a:p>
             <a:fld id="{4509A250-FF31-4206-8172-F9D3106AACB1}" type="datetimeFigureOut">
               <a:rPr lang="en-US" smtClean="0"/>
-              <a:t>7/29/2018</a:t>
+              <a:t>7/30/2018</a:t>
             </a:fld>
             <a:endParaRPr lang="en-US" dirty="0"/>
           </a:p>
@@ -6843,7 +6845,7 @@
           <a:p>
             <a:fld id="{4509A250-FF31-4206-8172-F9D3106AACB1}" type="datetimeFigureOut">
               <a:rPr lang="en-US" smtClean="0"/>
-              <a:t>7/29/2018</a:t>
+              <a:t>7/30/2018</a:t>
             </a:fld>
             <a:endParaRPr lang="en-US" dirty="0"/>
           </a:p>
@@ -7240,7 +7242,7 @@
             <a:fld id="{4AAD347D-5ACD-4C99-B74B-A9C85AD731AF}" type="datetimeFigureOut">
               <a:rPr lang="en-US" smtClean="0"/>
               <a:pPr/>
-              <a:t>7/29/2018</a:t>
+              <a:t>7/30/2018</a:t>
             </a:fld>
             <a:endParaRPr lang="en-US" dirty="0"/>
           </a:p>
@@ -7904,9 +7906,10 @@
           <a:lstStyle/>
           <a:p>
             <a:r>
-              <a:rPr lang="en-US" dirty="0"/>
-              <a:t>Tom – React Native</a:t>
-            </a:r>
+              <a:rPr lang="en-US"/>
+              <a:t>Tuan – Front/Back ends, API</a:t>
+            </a:r>
+            <a:endParaRPr lang="en-US" dirty="0"/>
           </a:p>
         </p:txBody>
       </p:sp>
@@ -7933,85 +7936,74 @@
           <a:p>
             <a:r>
               <a:rPr lang="en-US" dirty="0"/>
-              <a:t>iOS App</a:t>
+              <a:t>Front-end</a:t>
             </a:r>
           </a:p>
           <a:p>
             <a:pPr lvl="1"/>
             <a:r>
               <a:rPr lang="en-US" dirty="0"/>
-              <a:t>Would </a:t>
-            </a:r>
-            <a:r>
-              <a:rPr lang="en-US"/>
-              <a:t>supplement Android </a:t>
-            </a:r>
+              <a:t>Bootstrap</a:t>
+            </a:r>
+          </a:p>
+          <a:p>
+            <a:pPr lvl="1"/>
             <a:r>
               <a:rPr lang="en-US" dirty="0"/>
-              <a:t>a</a:t>
-            </a:r>
-            <a:r>
-              <a:rPr lang="en-US"/>
-              <a:t>pp</a:t>
-            </a:r>
-            <a:endParaRPr lang="en-US" dirty="0"/>
+              <a:t>Chart JS for data’s graphical presentation</a:t>
+            </a:r>
           </a:p>
           <a:p>
             <a:r>
               <a:rPr lang="en-US" dirty="0"/>
-              <a:t>React Native</a:t>
+              <a:t>Back-end</a:t>
             </a:r>
           </a:p>
           <a:p>
             <a:pPr lvl="1"/>
             <a:r>
               <a:rPr lang="en-US" dirty="0"/>
-              <a:t>High demand</a:t>
+              <a:t>Django: provide scaffold, easy to build more complex features</a:t>
+            </a:r>
+          </a:p>
+          <a:p>
+            <a:r>
+              <a:rPr lang="en-US" dirty="0" err="1"/>
+              <a:t>RESTful</a:t>
+            </a:r>
+            <a:r>
+              <a:rPr lang="en-US" dirty="0"/>
+              <a:t> API</a:t>
             </a:r>
           </a:p>
           <a:p>
             <a:pPr lvl="1"/>
             <a:r>
               <a:rPr lang="en-US" dirty="0"/>
-              <a:t>Platform independent</a:t>
-            </a:r>
-          </a:p>
-          <a:p>
+              <a:t>Model </a:t>
+            </a:r>
+            <a:r>
+              <a:rPr lang="en-US" dirty="0" err="1"/>
+              <a:t>Serializers</a:t>
+            </a:r>
             <a:r>
               <a:rPr lang="en-US" dirty="0"/>
-              <a:t>Incomplete</a:t>
+              <a:t>: convert data to JSON for HTTP requests from mobile app</a:t>
             </a:r>
           </a:p>
           <a:p>
             <a:pPr lvl="1"/>
             <a:r>
               <a:rPr lang="en-US" dirty="0"/>
-              <a:t>High learning curve</a:t>
-            </a:r>
-          </a:p>
-          <a:p>
-            <a:pPr lvl="1"/>
-            <a:r>
-              <a:rPr lang="en-US" dirty="0"/>
-              <a:t>Little experience on team</a:t>
-            </a:r>
-          </a:p>
-          <a:p>
-            <a:pPr lvl="1"/>
-            <a:r>
-              <a:rPr lang="en-US" dirty="0"/>
-              <a:t>Stretch Goal (Only one dedicated developer)</a:t>
-            </a:r>
-          </a:p>
-          <a:p>
-            <a:endParaRPr lang="en-US" dirty="0"/>
+              <a:t>JSON Web Token Authentication: authenticate users and requests </a:t>
+            </a:r>
           </a:p>
         </p:txBody>
       </p:sp>
     </p:spTree>
     <p:extLst>
       <p:ext uri="{BB962C8B-B14F-4D97-AF65-F5344CB8AC3E}">
-        <p14:creationId xmlns:p14="http://schemas.microsoft.com/office/powerpoint/2010/main" val="3782070409"/>
+        <p14:creationId xmlns:p14="http://schemas.microsoft.com/office/powerpoint/2010/main" val="2924505098"/>
       </p:ext>
     </p:extLst>
   </p:cSld>
@@ -8061,7 +8053,7 @@
           <a:p>
             <a:r>
               <a:rPr lang="en-US" dirty="0"/>
-              <a:t>David’s Slide</a:t>
+              <a:t>Terrell’s Slide</a:t>
             </a:r>
           </a:p>
         </p:txBody>
@@ -8094,7 +8086,7 @@
     </p:spTree>
     <p:extLst>
       <p:ext uri="{BB962C8B-B14F-4D97-AF65-F5344CB8AC3E}">
-        <p14:creationId xmlns:p14="http://schemas.microsoft.com/office/powerpoint/2010/main" val="734369420"/>
+        <p14:creationId xmlns:p14="http://schemas.microsoft.com/office/powerpoint/2010/main" val="2221855606"/>
       </p:ext>
     </p:extLst>
   </p:cSld>
@@ -8123,7 +8115,13 @@
       </p:grpSpPr>
       <p:sp>
         <p:nvSpPr>
-          <p:cNvPr id="2" name="Title 1"/>
+          <p:cNvPr id="2" name="Title 1">
+            <a:extLst>
+              <a:ext uri="{FF2B5EF4-FFF2-40B4-BE49-F238E27FC236}">
+                <a16:creationId xmlns:a16="http://schemas.microsoft.com/office/drawing/2014/main" id="{5B758DBA-9B94-47BC-A4DA-EE518F1EEF79}"/>
+              </a:ext>
+            </a:extLst>
+          </p:cNvPr>
           <p:cNvSpPr>
             <a:spLocks noGrp="1"/>
           </p:cNvSpPr>
@@ -8138,14 +8136,20 @@
           <a:p>
             <a:r>
               <a:rPr lang="en-US" dirty="0"/>
-              <a:t>Stacks</a:t>
-            </a:r>
-          </a:p>
-        </p:txBody>
-      </p:sp>
-      <p:sp>
-        <p:nvSpPr>
-          <p:cNvPr id="4" name="Content Placeholder 3"/>
+              <a:t>Tom – React Native</a:t>
+            </a:r>
+          </a:p>
+        </p:txBody>
+      </p:sp>
+      <p:sp>
+        <p:nvSpPr>
+          <p:cNvPr id="3" name="Content Placeholder 2">
+            <a:extLst>
+              <a:ext uri="{FF2B5EF4-FFF2-40B4-BE49-F238E27FC236}">
+                <a16:creationId xmlns:a16="http://schemas.microsoft.com/office/drawing/2014/main" id="{D8F6D1F7-0EE1-4139-8F27-6A8A6048E8B3}"/>
+              </a:ext>
+            </a:extLst>
+          </p:cNvPr>
           <p:cNvSpPr>
             <a:spLocks noGrp="1"/>
           </p:cNvSpPr>
@@ -8158,11 +8162,89 @@
           <a:bodyPr/>
           <a:lstStyle/>
           <a:p>
+            <a:r>
+              <a:rPr lang="en-US" dirty="0"/>
+              <a:t>iOS App</a:t>
+            </a:r>
+          </a:p>
+          <a:p>
+            <a:pPr lvl="1"/>
+            <a:r>
+              <a:rPr lang="en-US" dirty="0"/>
+              <a:t>Would </a:t>
+            </a:r>
+            <a:r>
+              <a:rPr lang="en-US"/>
+              <a:t>supplement Android </a:t>
+            </a:r>
+            <a:r>
+              <a:rPr lang="en-US" dirty="0"/>
+              <a:t>a</a:t>
+            </a:r>
+            <a:r>
+              <a:rPr lang="en-US"/>
+              <a:t>pp</a:t>
+            </a:r>
             <a:endParaRPr lang="en-US" dirty="0"/>
           </a:p>
+          <a:p>
+            <a:r>
+              <a:rPr lang="en-US" dirty="0"/>
+              <a:t>React Native</a:t>
+            </a:r>
+          </a:p>
+          <a:p>
+            <a:pPr lvl="1"/>
+            <a:r>
+              <a:rPr lang="en-US" dirty="0"/>
+              <a:t>High demand</a:t>
+            </a:r>
+          </a:p>
+          <a:p>
+            <a:pPr lvl="1"/>
+            <a:r>
+              <a:rPr lang="en-US" dirty="0"/>
+              <a:t>Platform independent</a:t>
+            </a:r>
+          </a:p>
+          <a:p>
+            <a:r>
+              <a:rPr lang="en-US" dirty="0"/>
+              <a:t>Incomplete</a:t>
+            </a:r>
+          </a:p>
+          <a:p>
+            <a:pPr lvl="1"/>
+            <a:r>
+              <a:rPr lang="en-US" dirty="0"/>
+              <a:t>High learning curve</a:t>
+            </a:r>
+          </a:p>
+          <a:p>
+            <a:pPr lvl="1"/>
+            <a:r>
+              <a:rPr lang="en-US" dirty="0"/>
+              <a:t>Little experience on team</a:t>
+            </a:r>
+          </a:p>
+          <a:p>
+            <a:pPr lvl="1"/>
+            <a:r>
+              <a:rPr lang="en-US" dirty="0"/>
+              <a:t>Stretch Goal (Only one dedicated developer)</a:t>
+            </a:r>
+          </a:p>
+          <a:p>
+            <a:endParaRPr lang="en-US" dirty="0"/>
+          </a:p>
         </p:txBody>
       </p:sp>
     </p:spTree>
+    <p:extLst>
+      <p:ext uri="{BB962C8B-B14F-4D97-AF65-F5344CB8AC3E}">
+        <p14:creationId xmlns:p14="http://schemas.microsoft.com/office/powerpoint/2010/main" val="3782070409"/>
+      </p:ext>
+    </p:extLst>
   </p:cSld>
   <p:clrMapOvr>
     <a:masterClrMapping/>
@@ -8189,7 +8271,13 @@
       </p:grpSpPr>
       <p:sp>
         <p:nvSpPr>
-          <p:cNvPr id="2" name="Title 1"/>
+          <p:cNvPr id="2" name="Title 1">
+            <a:extLst>
+              <a:ext uri="{FF2B5EF4-FFF2-40B4-BE49-F238E27FC236}">
+                <a16:creationId xmlns:a16="http://schemas.microsoft.com/office/drawing/2014/main" id="{5B758DBA-9B94-47BC-A4DA-EE518F1EEF79}"/>
+              </a:ext>
+            </a:extLst>
+          </p:cNvPr>
           <p:cNvSpPr>
             <a:spLocks noGrp="1"/>
           </p:cNvSpPr>
@@ -8204,14 +8292,20 @@
           <a:p>
             <a:r>
               <a:rPr lang="en-US" dirty="0"/>
-              <a:t>Successes</a:t>
-            </a:r>
-          </a:p>
-        </p:txBody>
-      </p:sp>
-      <p:sp>
-        <p:nvSpPr>
-          <p:cNvPr id="5" name="Content Placeholder 4"/>
+              <a:t>David’s Slide</a:t>
+            </a:r>
+          </a:p>
+        </p:txBody>
+      </p:sp>
+      <p:sp>
+        <p:nvSpPr>
+          <p:cNvPr id="3" name="Content Placeholder 2">
+            <a:extLst>
+              <a:ext uri="{FF2B5EF4-FFF2-40B4-BE49-F238E27FC236}">
+                <a16:creationId xmlns:a16="http://schemas.microsoft.com/office/drawing/2014/main" id="{D8F6D1F7-0EE1-4139-8F27-6A8A6048E8B3}"/>
+              </a:ext>
+            </a:extLst>
+          </p:cNvPr>
           <p:cNvSpPr>
             <a:spLocks noGrp="1"/>
           </p:cNvSpPr>
@@ -8224,11 +8318,16 @@
           <a:bodyPr/>
           <a:lstStyle/>
           <a:p>
-            <a:endParaRPr lang="en-US" dirty="0"/>
+            <a:endParaRPr lang="en-US"/>
           </a:p>
         </p:txBody>
       </p:sp>
     </p:spTree>
+    <p:extLst>
+      <p:ext uri="{BB962C8B-B14F-4D97-AF65-F5344CB8AC3E}">
+        <p14:creationId xmlns:p14="http://schemas.microsoft.com/office/powerpoint/2010/main" val="734369420"/>
+      </p:ext>
+    </p:extLst>
   </p:cSld>
   <p:clrMapOvr>
     <a:masterClrMapping/>
@@ -8270,14 +8369,14 @@
           <a:p>
             <a:r>
               <a:rPr lang="en-US" dirty="0"/>
-              <a:t>Failures</a:t>
-            </a:r>
-          </a:p>
-        </p:txBody>
-      </p:sp>
-      <p:sp>
-        <p:nvSpPr>
-          <p:cNvPr id="5" name="Content Placeholder 4"/>
+              <a:t>Stacks</a:t>
+            </a:r>
+          </a:p>
+        </p:txBody>
+      </p:sp>
+      <p:sp>
+        <p:nvSpPr>
+          <p:cNvPr id="4" name="Content Placeholder 3"/>
           <p:cNvSpPr>
             <a:spLocks noGrp="1"/>
           </p:cNvSpPr>
@@ -8321,7 +8420,7 @@
       </p:grpSpPr>
       <p:sp>
         <p:nvSpPr>
-          <p:cNvPr id="4" name="Title 3"/>
+          <p:cNvPr id="2" name="Title 1"/>
           <p:cNvSpPr>
             <a:spLocks noGrp="1"/>
           </p:cNvSpPr>
@@ -8336,14 +8435,14 @@
           <a:p>
             <a:r>
               <a:rPr lang="en-US" dirty="0"/>
-              <a:t>What We Would Do Differently</a:t>
-            </a:r>
-          </a:p>
-        </p:txBody>
-      </p:sp>
-      <p:sp>
-        <p:nvSpPr>
-          <p:cNvPr id="3" name="Content Placeholder 2"/>
+              <a:t>Successes</a:t>
+            </a:r>
+          </a:p>
+        </p:txBody>
+      </p:sp>
+      <p:sp>
+        <p:nvSpPr>
+          <p:cNvPr id="5" name="Content Placeholder 4"/>
           <p:cNvSpPr>
             <a:spLocks noGrp="1"/>
           </p:cNvSpPr>
@@ -8369,6 +8468,138 @@
 </file>
 
 <file path=ppt/slides/slide16.xml><?xml version="1.0" encoding="utf-8"?>
+<p:sld xmlns:a="http://schemas.openxmlformats.org/drawingml/2006/main" xmlns:r="http://schemas.openxmlformats.org/officeDocument/2006/relationships" xmlns:p="http://schemas.openxmlformats.org/presentationml/2006/main">
+  <p:cSld>
+    <p:spTree>
+      <p:nvGrpSpPr>
+        <p:cNvPr id="1" name=""/>
+        <p:cNvGrpSpPr/>
+        <p:nvPr/>
+      </p:nvGrpSpPr>
+      <p:grpSpPr>
+        <a:xfrm>
+          <a:off x="0" y="0"/>
+          <a:ext cx="0" cy="0"/>
+          <a:chOff x="0" y="0"/>
+          <a:chExt cx="0" cy="0"/>
+        </a:xfrm>
+      </p:grpSpPr>
+      <p:sp>
+        <p:nvSpPr>
+          <p:cNvPr id="2" name="Title 1"/>
+          <p:cNvSpPr>
+            <a:spLocks noGrp="1"/>
+          </p:cNvSpPr>
+          <p:nvPr>
+            <p:ph type="title"/>
+          </p:nvPr>
+        </p:nvSpPr>
+        <p:spPr/>
+        <p:txBody>
+          <a:bodyPr/>
+          <a:lstStyle/>
+          <a:p>
+            <a:r>
+              <a:rPr lang="en-US" dirty="0"/>
+              <a:t>Failures</a:t>
+            </a:r>
+          </a:p>
+        </p:txBody>
+      </p:sp>
+      <p:sp>
+        <p:nvSpPr>
+          <p:cNvPr id="5" name="Content Placeholder 4"/>
+          <p:cNvSpPr>
+            <a:spLocks noGrp="1"/>
+          </p:cNvSpPr>
+          <p:nvPr>
+            <p:ph idx="1"/>
+          </p:nvPr>
+        </p:nvSpPr>
+        <p:spPr/>
+        <p:txBody>
+          <a:bodyPr/>
+          <a:lstStyle/>
+          <a:p>
+            <a:endParaRPr lang="en-US" dirty="0"/>
+          </a:p>
+        </p:txBody>
+      </p:sp>
+    </p:spTree>
+  </p:cSld>
+  <p:clrMapOvr>
+    <a:masterClrMapping/>
+  </p:clrMapOvr>
+</p:sld>
+</file>
+
+<file path=ppt/slides/slide17.xml><?xml version="1.0" encoding="utf-8"?>
+<p:sld xmlns:a="http://schemas.openxmlformats.org/drawingml/2006/main" xmlns:r="http://schemas.openxmlformats.org/officeDocument/2006/relationships" xmlns:p="http://schemas.openxmlformats.org/presentationml/2006/main">
+  <p:cSld>
+    <p:spTree>
+      <p:nvGrpSpPr>
+        <p:cNvPr id="1" name=""/>
+        <p:cNvGrpSpPr/>
+        <p:nvPr/>
+      </p:nvGrpSpPr>
+      <p:grpSpPr>
+        <a:xfrm>
+          <a:off x="0" y="0"/>
+          <a:ext cx="0" cy="0"/>
+          <a:chOff x="0" y="0"/>
+          <a:chExt cx="0" cy="0"/>
+        </a:xfrm>
+      </p:grpSpPr>
+      <p:sp>
+        <p:nvSpPr>
+          <p:cNvPr id="4" name="Title 3"/>
+          <p:cNvSpPr>
+            <a:spLocks noGrp="1"/>
+          </p:cNvSpPr>
+          <p:nvPr>
+            <p:ph type="title"/>
+          </p:nvPr>
+        </p:nvSpPr>
+        <p:spPr/>
+        <p:txBody>
+          <a:bodyPr/>
+          <a:lstStyle/>
+          <a:p>
+            <a:r>
+              <a:rPr lang="en-US" dirty="0"/>
+              <a:t>What We Would Do Differently</a:t>
+            </a:r>
+          </a:p>
+        </p:txBody>
+      </p:sp>
+      <p:sp>
+        <p:nvSpPr>
+          <p:cNvPr id="3" name="Content Placeholder 2"/>
+          <p:cNvSpPr>
+            <a:spLocks noGrp="1"/>
+          </p:cNvSpPr>
+          <p:nvPr>
+            <p:ph idx="1"/>
+          </p:nvPr>
+        </p:nvSpPr>
+        <p:spPr/>
+        <p:txBody>
+          <a:bodyPr/>
+          <a:lstStyle/>
+          <a:p>
+            <a:endParaRPr lang="en-US" dirty="0"/>
+          </a:p>
+        </p:txBody>
+      </p:sp>
+    </p:spTree>
+  </p:cSld>
+  <p:clrMapOvr>
+    <a:masterClrMapping/>
+  </p:clrMapOvr>
+</p:sld>
+</file>
+
+<file path=ppt/slides/slide18.xml><?xml version="1.0" encoding="utf-8"?>
 <p:sld xmlns:a="http://schemas.openxmlformats.org/drawingml/2006/main" xmlns:r="http://schemas.openxmlformats.org/officeDocument/2006/relationships" xmlns:p="http://schemas.openxmlformats.org/presentationml/2006/main">
   <p:cSld>
     <p:spTree>
@@ -8603,7 +8834,13 @@
       </p:grpSpPr>
       <p:sp>
         <p:nvSpPr>
-          <p:cNvPr id="2" name="Title 1"/>
+          <p:cNvPr id="2" name="Title 1">
+            <a:extLst>
+              <a:ext uri="{FF2B5EF4-FFF2-40B4-BE49-F238E27FC236}">
+                <a16:creationId xmlns:a16="http://schemas.microsoft.com/office/drawing/2014/main" id="{5B758DBA-9B94-47BC-A4DA-EE518F1EEF79}"/>
+              </a:ext>
+            </a:extLst>
+          </p:cNvPr>
           <p:cNvSpPr>
             <a:spLocks noGrp="1"/>
           </p:cNvSpPr>
@@ -8611,38 +8848,90 @@
             <p:ph type="title"/>
           </p:nvPr>
         </p:nvSpPr>
-        <p:spPr/>
-        <p:txBody>
-          <a:bodyPr/>
-          <a:lstStyle/>
-          <a:p>
+        <p:spPr>
+          <a:xfrm>
+            <a:off x="646111" y="287448"/>
+            <a:ext cx="9404723" cy="1400530"/>
+          </a:xfrm>
+        </p:spPr>
+        <p:txBody>
+          <a:bodyPr/>
+          <a:lstStyle/>
+          <a:p>
+            <a:pPr algn="ctr"/>
             <a:r>
               <a:rPr lang="en-US" dirty="0"/>
-              <a:t>Gantt Chart</a:t>
-            </a:r>
-          </a:p>
-        </p:txBody>
-      </p:sp>
-      <p:sp>
-        <p:nvSpPr>
-          <p:cNvPr id="5" name="Content Placeholder 4"/>
-          <p:cNvSpPr>
-            <a:spLocks noGrp="1"/>
-          </p:cNvSpPr>
-          <p:nvPr>
-            <p:ph idx="1"/>
-          </p:nvPr>
-        </p:nvSpPr>
-        <p:spPr/>
-        <p:txBody>
-          <a:bodyPr/>
-          <a:lstStyle/>
-          <a:p>
-            <a:endParaRPr lang="en-US" dirty="0"/>
-          </a:p>
-        </p:txBody>
-      </p:sp>
+              <a:t>Class Diagram, ERD</a:t>
+            </a:r>
+          </a:p>
+        </p:txBody>
+      </p:sp>
+      <p:pic>
+        <p:nvPicPr>
+          <p:cNvPr id="4" name="Picture 3" descr="A screenshot of a cell phone&#10;&#10;Description generated with high confidence">
+            <a:extLst>
+              <a:ext uri="{FF2B5EF4-FFF2-40B4-BE49-F238E27FC236}">
+                <a16:creationId xmlns:a16="http://schemas.microsoft.com/office/drawing/2014/main" id="{DE3C9AED-C379-4716-AD94-7D7E2198053A}"/>
+              </a:ext>
+            </a:extLst>
+          </p:cNvPr>
+          <p:cNvPicPr>
+            <a:picLocks noChangeAspect="1"/>
+          </p:cNvPicPr>
+          <p:nvPr/>
+        </p:nvPicPr>
+        <p:blipFill>
+          <a:blip r:embed="rId2"/>
+          <a:stretch>
+            <a:fillRect/>
+          </a:stretch>
+        </p:blipFill>
+        <p:spPr>
+          <a:xfrm>
+            <a:off x="2245542" y="1152983"/>
+            <a:ext cx="7700917" cy="3961074"/>
+          </a:xfrm>
+          <a:prstGeom prst="rect">
+            <a:avLst/>
+          </a:prstGeom>
+        </p:spPr>
+      </p:pic>
+      <p:pic>
+        <p:nvPicPr>
+          <p:cNvPr id="10" name="Picture 9" descr="A picture containing object, clock&#10;&#10;Description generated with high confidence">
+            <a:extLst>
+              <a:ext uri="{FF2B5EF4-FFF2-40B4-BE49-F238E27FC236}">
+                <a16:creationId xmlns:a16="http://schemas.microsoft.com/office/drawing/2014/main" id="{80241830-4B43-4BDA-ADBC-9F20E3CAFD29}"/>
+              </a:ext>
+            </a:extLst>
+          </p:cNvPr>
+          <p:cNvPicPr>
+            <a:picLocks noChangeAspect="1"/>
+          </p:cNvPicPr>
+          <p:nvPr/>
+        </p:nvPicPr>
+        <p:blipFill>
+          <a:blip r:embed="rId3"/>
+          <a:stretch>
+            <a:fillRect/>
+          </a:stretch>
+        </p:blipFill>
+        <p:spPr>
+          <a:xfrm>
+            <a:off x="3514725" y="5279327"/>
+            <a:ext cx="5162550" cy="1162050"/>
+          </a:xfrm>
+          <a:prstGeom prst="rect">
+            <a:avLst/>
+          </a:prstGeom>
+        </p:spPr>
+      </p:pic>
     </p:spTree>
+    <p:extLst>
+      <p:ext uri="{BB962C8B-B14F-4D97-AF65-F5344CB8AC3E}">
+        <p14:creationId xmlns:p14="http://schemas.microsoft.com/office/powerpoint/2010/main" val="3675494190"/>
+      </p:ext>
+    </p:extLst>
   </p:cSld>
   <p:clrMapOvr>
     <a:masterClrMapping/>
@@ -8672,7 +8961,7 @@
           <p:cNvPr id="2" name="Title 1">
             <a:extLst>
               <a:ext uri="{FF2B5EF4-FFF2-40B4-BE49-F238E27FC236}">
-                <a16:creationId xmlns:a16="http://schemas.microsoft.com/office/drawing/2014/main" id="{5B758DBA-9B94-47BC-A4DA-EE518F1EEF79}"/>
+                <a16:creationId xmlns:a16="http://schemas.microsoft.com/office/drawing/2014/main" id="{08F9FE17-1B08-4FD9-B009-3CBD7565E151}"/>
               </a:ext>
             </a:extLst>
           </p:cNvPr>
@@ -8688,19 +8977,20 @@
           <a:bodyPr/>
           <a:lstStyle/>
           <a:p>
+            <a:pPr algn="ctr"/>
             <a:r>
               <a:rPr lang="en-US" dirty="0"/>
-              <a:t>ERD, Class, Use-Case</a:t>
+              <a:t>Use Cases</a:t>
             </a:r>
           </a:p>
         </p:txBody>
       </p:sp>
       <p:pic>
         <p:nvPicPr>
-          <p:cNvPr id="5" name="Picture 4">
+          <p:cNvPr id="4" name="Picture 3">
             <a:extLst>
               <a:ext uri="{FF2B5EF4-FFF2-40B4-BE49-F238E27FC236}">
-                <a16:creationId xmlns:a16="http://schemas.microsoft.com/office/drawing/2014/main" id="{84AA05BE-7D25-4446-B862-587825554C33}"/>
+                <a16:creationId xmlns:a16="http://schemas.microsoft.com/office/drawing/2014/main" id="{7CEA6B87-576D-4F35-9FED-B396A512B9A1}"/>
               </a:ext>
             </a:extLst>
           </p:cNvPr>
@@ -8717,68 +9007,8 @@
         </p:blipFill>
         <p:spPr>
           <a:xfrm>
-            <a:off x="0" y="1179487"/>
-            <a:ext cx="5606983" cy="5691809"/>
-          </a:xfrm>
-          <a:prstGeom prst="rect">
-            <a:avLst/>
-          </a:prstGeom>
-        </p:spPr>
-      </p:pic>
-      <p:pic>
-        <p:nvPicPr>
-          <p:cNvPr id="7" name="Picture 6">
-            <a:extLst>
-              <a:ext uri="{FF2B5EF4-FFF2-40B4-BE49-F238E27FC236}">
-                <a16:creationId xmlns:a16="http://schemas.microsoft.com/office/drawing/2014/main" id="{31B700A4-912C-44EE-8FB2-85AAE795719C}"/>
-              </a:ext>
-            </a:extLst>
-          </p:cNvPr>
-          <p:cNvPicPr>
-            <a:picLocks noChangeAspect="1"/>
-          </p:cNvPicPr>
-          <p:nvPr/>
-        </p:nvPicPr>
-        <p:blipFill>
-          <a:blip r:embed="rId3"/>
-          <a:stretch>
-            <a:fillRect/>
-          </a:stretch>
-        </p:blipFill>
-        <p:spPr>
-          <a:xfrm>
-            <a:off x="6519628" y="452718"/>
-            <a:ext cx="5229955" cy="1524213"/>
-          </a:xfrm>
-          <a:prstGeom prst="rect">
-            <a:avLst/>
-          </a:prstGeom>
-        </p:spPr>
-      </p:pic>
-      <p:pic>
-        <p:nvPicPr>
-          <p:cNvPr id="9" name="Picture 8">
-            <a:extLst>
-              <a:ext uri="{FF2B5EF4-FFF2-40B4-BE49-F238E27FC236}">
-                <a16:creationId xmlns:a16="http://schemas.microsoft.com/office/drawing/2014/main" id="{BE16F71A-8DC8-47B3-AAC3-998236FE9DD5}"/>
-              </a:ext>
-            </a:extLst>
-          </p:cNvPr>
-          <p:cNvPicPr>
-            <a:picLocks noChangeAspect="1"/>
-          </p:cNvPicPr>
-          <p:nvPr/>
-        </p:nvPicPr>
-        <p:blipFill>
-          <a:blip r:embed="rId4"/>
-          <a:stretch>
-            <a:fillRect/>
-          </a:stretch>
-        </p:blipFill>
-        <p:spPr>
-          <a:xfrm>
-            <a:off x="6077211" y="2462997"/>
-            <a:ext cx="6114787" cy="4395003"/>
+            <a:off x="3528202" y="1444183"/>
+            <a:ext cx="5135596" cy="5213291"/>
           </a:xfrm>
           <a:prstGeom prst="rect">
             <a:avLst/>
@@ -8788,7 +9018,7 @@
     </p:spTree>
     <p:extLst>
       <p:ext uri="{BB962C8B-B14F-4D97-AF65-F5344CB8AC3E}">
-        <p14:creationId xmlns:p14="http://schemas.microsoft.com/office/powerpoint/2010/main" val="3581283362"/>
+        <p14:creationId xmlns:p14="http://schemas.microsoft.com/office/powerpoint/2010/main" val="3820739396"/>
       </p:ext>
     </p:extLst>
   </p:cSld>
@@ -8817,13 +9047,7 @@
       </p:grpSpPr>
       <p:sp>
         <p:nvSpPr>
-          <p:cNvPr id="2" name="Title 1">
-            <a:extLst>
-              <a:ext uri="{FF2B5EF4-FFF2-40B4-BE49-F238E27FC236}">
-                <a16:creationId xmlns:a16="http://schemas.microsoft.com/office/drawing/2014/main" id="{5B758DBA-9B94-47BC-A4DA-EE518F1EEF79}"/>
-              </a:ext>
-            </a:extLst>
-          </p:cNvPr>
+          <p:cNvPr id="2" name="Title 1"/>
           <p:cNvSpPr>
             <a:spLocks noGrp="1"/>
           </p:cNvSpPr>
@@ -8838,20 +9062,14 @@
           <a:p>
             <a:r>
               <a:rPr lang="en-US" dirty="0"/>
-              <a:t>Harrison’s Slide</a:t>
-            </a:r>
-          </a:p>
-        </p:txBody>
-      </p:sp>
-      <p:sp>
-        <p:nvSpPr>
-          <p:cNvPr id="3" name="Content Placeholder 2">
-            <a:extLst>
-              <a:ext uri="{FF2B5EF4-FFF2-40B4-BE49-F238E27FC236}">
-                <a16:creationId xmlns:a16="http://schemas.microsoft.com/office/drawing/2014/main" id="{D8F6D1F7-0EE1-4139-8F27-6A8A6048E8B3}"/>
-              </a:ext>
-            </a:extLst>
-          </p:cNvPr>
+              <a:t>Gantt Chart</a:t>
+            </a:r>
+          </a:p>
+        </p:txBody>
+      </p:sp>
+      <p:sp>
+        <p:nvSpPr>
+          <p:cNvPr id="5" name="Content Placeholder 4"/>
           <p:cNvSpPr>
             <a:spLocks noGrp="1"/>
           </p:cNvSpPr>
@@ -8864,16 +9082,11 @@
           <a:bodyPr/>
           <a:lstStyle/>
           <a:p>
-            <a:endParaRPr lang="en-US"/>
+            <a:endParaRPr lang="en-US" dirty="0"/>
           </a:p>
         </p:txBody>
       </p:sp>
     </p:spTree>
-    <p:extLst>
-      <p:ext uri="{BB962C8B-B14F-4D97-AF65-F5344CB8AC3E}">
-        <p14:creationId xmlns:p14="http://schemas.microsoft.com/office/powerpoint/2010/main" val="3533505412"/>
-      </p:ext>
-    </p:extLst>
   </p:cSld>
   <p:clrMapOvr>
     <a:masterClrMapping/>
@@ -8921,7 +9134,7 @@
           <a:p>
             <a:r>
               <a:rPr lang="en-US" dirty="0"/>
-              <a:t>Jacob’s Slide</a:t>
+              <a:t>Harrison’s Slide</a:t>
             </a:r>
           </a:p>
         </p:txBody>
@@ -8954,7 +9167,7 @@
     </p:spTree>
     <p:extLst>
       <p:ext uri="{BB962C8B-B14F-4D97-AF65-F5344CB8AC3E}">
-        <p14:creationId xmlns:p14="http://schemas.microsoft.com/office/powerpoint/2010/main" val="4042109386"/>
+        <p14:creationId xmlns:p14="http://schemas.microsoft.com/office/powerpoint/2010/main" val="3533505412"/>
       </p:ext>
     </p:extLst>
   </p:cSld>
@@ -9004,7 +9217,7 @@
           <a:p>
             <a:r>
               <a:rPr lang="en-US" dirty="0"/>
-              <a:t>Jesus’ Slide</a:t>
+              <a:t>Jacob’s Slide</a:t>
             </a:r>
           </a:p>
         </p:txBody>
@@ -9037,7 +9250,7 @@
     </p:spTree>
     <p:extLst>
       <p:ext uri="{BB962C8B-B14F-4D97-AF65-F5344CB8AC3E}">
-        <p14:creationId xmlns:p14="http://schemas.microsoft.com/office/powerpoint/2010/main" val="1461581812"/>
+        <p14:creationId xmlns:p14="http://schemas.microsoft.com/office/powerpoint/2010/main" val="4042109386"/>
       </p:ext>
     </p:extLst>
   </p:cSld>
@@ -9086,8 +9299,12 @@
           <a:lstStyle/>
           <a:p>
             <a:r>
-              <a:rPr lang="en-US"/>
-              <a:t>Tuan – Front/Back ends, API</a:t>
+              <a:rPr lang="en-US" dirty="0"/>
+              <a:t>Data Visualization - </a:t>
+            </a:r>
+            <a:r>
+              <a:rPr lang="en-US" dirty="0" err="1"/>
+              <a:t>ChartJS</a:t>
             </a:r>
             <a:endParaRPr lang="en-US" dirty="0"/>
           </a:p>
@@ -9109,73 +9326,42 @@
             <p:ph idx="1"/>
           </p:nvPr>
         </p:nvSpPr>
-        <p:spPr/>
+        <p:spPr>
+          <a:xfrm>
+            <a:off x="1103312" y="1853248"/>
+            <a:ext cx="10190330" cy="4195481"/>
+          </a:xfrm>
+        </p:spPr>
         <p:txBody>
           <a:bodyPr/>
           <a:lstStyle/>
           <a:p>
             <a:r>
               <a:rPr lang="en-US" dirty="0"/>
-              <a:t>Front-end</a:t>
-            </a:r>
-          </a:p>
-          <a:p>
-            <a:pPr lvl="1"/>
+              <a:t>We use the </a:t>
+            </a:r>
+            <a:r>
+              <a:rPr lang="en-US" dirty="0" err="1"/>
+              <a:t>ChartJS</a:t>
+            </a:r>
             <a:r>
               <a:rPr lang="en-US" dirty="0"/>
-              <a:t>Bootstrap</a:t>
-            </a:r>
-          </a:p>
-          <a:p>
-            <a:pPr lvl="1"/>
+              <a:t> library for creating the graph</a:t>
+            </a:r>
+          </a:p>
+          <a:p>
             <a:r>
               <a:rPr lang="en-US" dirty="0"/>
-              <a:t>Chart JS for data’s graphical presentation</a:t>
-            </a:r>
-          </a:p>
-          <a:p>
+              <a:t>Actual fetching of the data is done through the Django RESTful Framework</a:t>
+            </a:r>
+          </a:p>
+          <a:p>
+            <a:pPr marL="0" indent="0">
+              <a:buNone/>
+            </a:pPr>
             <a:r>
               <a:rPr lang="en-US" dirty="0"/>
-              <a:t>Back-end</a:t>
-            </a:r>
-          </a:p>
-          <a:p>
-            <a:pPr lvl="1"/>
-            <a:r>
-              <a:rPr lang="en-US" dirty="0"/>
-              <a:t>Django: provide scaffold, easy to build more complex features</a:t>
-            </a:r>
-          </a:p>
-          <a:p>
-            <a:r>
-              <a:rPr lang="en-US" dirty="0" err="1"/>
-              <a:t>RESTful</a:t>
-            </a:r>
-            <a:r>
-              <a:rPr lang="en-US" dirty="0"/>
-              <a:t> API</a:t>
-            </a:r>
-          </a:p>
-          <a:p>
-            <a:pPr lvl="1"/>
-            <a:r>
-              <a:rPr lang="en-US" dirty="0"/>
-              <a:t>Model </a:t>
-            </a:r>
-            <a:r>
-              <a:rPr lang="en-US" dirty="0" err="1"/>
-              <a:t>Serializers</a:t>
-            </a:r>
-            <a:r>
-              <a:rPr lang="en-US" dirty="0"/>
-              <a:t>: convert data to JSON for HTTP requests from mobile app</a:t>
-            </a:r>
-          </a:p>
-          <a:p>
-            <a:pPr lvl="1"/>
-            <a:r>
-              <a:rPr lang="en-US" dirty="0"/>
-              <a:t>JSON Web Token Authentication: authenticate users and requests </a:t>
+              <a:t>*insert picture of graph here?*</a:t>
             </a:r>
           </a:p>
         </p:txBody>
@@ -9183,7 +9369,7 @@
     </p:spTree>
     <p:extLst>
       <p:ext uri="{BB962C8B-B14F-4D97-AF65-F5344CB8AC3E}">
-        <p14:creationId xmlns:p14="http://schemas.microsoft.com/office/powerpoint/2010/main" val="2924505098"/>
+        <p14:creationId xmlns:p14="http://schemas.microsoft.com/office/powerpoint/2010/main" val="2457314869"/>
       </p:ext>
     </p:extLst>
   </p:cSld>
@@ -9233,7 +9419,7 @@
           <a:p>
             <a:r>
               <a:rPr lang="en-US" dirty="0"/>
-              <a:t>Terrell’s Slide</a:t>
+              <a:t>Jesus’ Slide</a:t>
             </a:r>
           </a:p>
         </p:txBody>
@@ -9266,7 +9452,7 @@
     </p:spTree>
     <p:extLst>
       <p:ext uri="{BB962C8B-B14F-4D97-AF65-F5344CB8AC3E}">
-        <p14:creationId xmlns:p14="http://schemas.microsoft.com/office/powerpoint/2010/main" val="2221855606"/>
+        <p14:creationId xmlns:p14="http://schemas.microsoft.com/office/powerpoint/2010/main" val="1461581812"/>
       </p:ext>
     </p:extLst>
   </p:cSld>
